--- a/thesis_defense/Thesis_presentation.pptx
+++ b/thesis_defense/Thesis_presentation.pptx
@@ -5,7 +5,7 @@
     <p:sldMasterId id="2147483762" r:id="rId1"/>
   </p:sldMasterIdLst>
   <p:notesMasterIdLst>
-    <p:notesMasterId r:id="rId26"/>
+    <p:notesMasterId r:id="rId28"/>
   </p:notesMasterIdLst>
   <p:sldIdLst>
     <p:sldId id="256" r:id="rId2"/>
@@ -32,6 +32,8 @@
     <p:sldId id="278" r:id="rId23"/>
     <p:sldId id="280" r:id="rId24"/>
     <p:sldId id="279" r:id="rId25"/>
+    <p:sldId id="281" r:id="rId26"/>
+    <p:sldId id="282" r:id="rId27"/>
   </p:sldIdLst>
   <p:sldSz cx="12192000" cy="6858000"/>
   <p:notesSz cx="6858000" cy="9144000"/>
@@ -220,7 +222,7 @@
           <a:p>
             <a:fld id="{8390B4D0-AC14-8D41-B42F-CDF13317A85E}" type="datetimeFigureOut">
               <a:rPr lang="en-PT" smtClean="0"/>
-              <a:t>08/04/2023</a:t>
+              <a:t>12/04/2023</a:t>
             </a:fld>
             <a:endParaRPr lang="en-PT"/>
           </a:p>
@@ -2475,6 +2477,234 @@
 </p:notes>
 </file>
 
+<file path=ppt/notesSlides/notesSlide24.xml><?xml version="1.0" encoding="utf-8"?>
+<p:notes xmlns:a="http://schemas.openxmlformats.org/drawingml/2006/main" xmlns:r="http://schemas.openxmlformats.org/officeDocument/2006/relationships" xmlns:p="http://schemas.openxmlformats.org/presentationml/2006/main">
+  <p:cSld>
+    <p:spTree>
+      <p:nvGrpSpPr>
+        <p:cNvPr id="1" name=""/>
+        <p:cNvGrpSpPr/>
+        <p:nvPr/>
+      </p:nvGrpSpPr>
+      <p:grpSpPr>
+        <a:xfrm>
+          <a:off x="0" y="0"/>
+          <a:ext cx="0" cy="0"/>
+          <a:chOff x="0" y="0"/>
+          <a:chExt cx="0" cy="0"/>
+        </a:xfrm>
+      </p:grpSpPr>
+      <p:sp>
+        <p:nvSpPr>
+          <p:cNvPr id="2" name="Slide Image Placeholder 1"/>
+          <p:cNvSpPr>
+            <a:spLocks noGrp="1" noRot="1" noChangeAspect="1"/>
+          </p:cNvSpPr>
+          <p:nvPr>
+            <p:ph type="sldImg"/>
+          </p:nvPr>
+        </p:nvSpPr>
+        <p:spPr/>
+      </p:sp>
+      <p:sp>
+        <p:nvSpPr>
+          <p:cNvPr id="3" name="Notes Placeholder 2"/>
+          <p:cNvSpPr>
+            <a:spLocks noGrp="1"/>
+          </p:cNvSpPr>
+          <p:nvPr>
+            <p:ph type="body" idx="1"/>
+          </p:nvPr>
+        </p:nvSpPr>
+        <p:spPr/>
+        <p:txBody>
+          <a:bodyPr/>
+          <a:lstStyle/>
+          <a:p>
+            <a:r>
+              <a:rPr lang="en-PT" dirty="0"/>
+              <a:t>The motivation is Secure Multiparty Computation and there are currently </a:t>
+            </a:r>
+          </a:p>
+          <a:p>
+            <a:endParaRPr lang="en-PT" dirty="0"/>
+          </a:p>
+          <a:p>
+            <a:endParaRPr lang="en-PT" dirty="0"/>
+          </a:p>
+          <a:p>
+            <a:r>
+              <a:rPr lang="en-PT" dirty="0"/>
+              <a:t>MPC protocols can be devided through several perspectives but here we will look from the point of view of its circuit architecture. </a:t>
+            </a:r>
+          </a:p>
+          <a:p>
+            <a:endParaRPr lang="en-PT" dirty="0"/>
+          </a:p>
+          <a:p>
+            <a:endParaRPr lang="en-PT" dirty="0"/>
+          </a:p>
+          <a:p>
+            <a:endParaRPr lang="en-PT" dirty="0"/>
+          </a:p>
+          <a:p>
+            <a:r>
+              <a:rPr lang="en-PT" dirty="0"/>
+              <a:t>MPC protocols are based in either Boolean circuits or Arithmetic circuits</a:t>
+            </a:r>
+          </a:p>
+        </p:txBody>
+      </p:sp>
+      <p:sp>
+        <p:nvSpPr>
+          <p:cNvPr id="4" name="Slide Number Placeholder 3"/>
+          <p:cNvSpPr>
+            <a:spLocks noGrp="1"/>
+          </p:cNvSpPr>
+          <p:nvPr>
+            <p:ph type="sldNum" sz="quarter" idx="5"/>
+          </p:nvPr>
+        </p:nvSpPr>
+        <p:spPr/>
+        <p:txBody>
+          <a:bodyPr/>
+          <a:lstStyle/>
+          <a:p>
+            <a:fld id="{AE24931C-52E6-4C44-B1F4-F33C2160C3B2}" type="slidenum">
+              <a:rPr lang="en-PT" smtClean="0"/>
+              <a:t>25</a:t>
+            </a:fld>
+            <a:endParaRPr lang="en-PT"/>
+          </a:p>
+        </p:txBody>
+      </p:sp>
+    </p:spTree>
+    <p:extLst>
+      <p:ext uri="{BB962C8B-B14F-4D97-AF65-F5344CB8AC3E}">
+        <p14:creationId xmlns:p14="http://schemas.microsoft.com/office/powerpoint/2010/main" val="2269148074"/>
+      </p:ext>
+    </p:extLst>
+  </p:cSld>
+  <p:clrMapOvr>
+    <a:masterClrMapping/>
+  </p:clrMapOvr>
+</p:notes>
+</file>
+
+<file path=ppt/notesSlides/notesSlide25.xml><?xml version="1.0" encoding="utf-8"?>
+<p:notes xmlns:a="http://schemas.openxmlformats.org/drawingml/2006/main" xmlns:r="http://schemas.openxmlformats.org/officeDocument/2006/relationships" xmlns:p="http://schemas.openxmlformats.org/presentationml/2006/main">
+  <p:cSld>
+    <p:spTree>
+      <p:nvGrpSpPr>
+        <p:cNvPr id="1" name=""/>
+        <p:cNvGrpSpPr/>
+        <p:nvPr/>
+      </p:nvGrpSpPr>
+      <p:grpSpPr>
+        <a:xfrm>
+          <a:off x="0" y="0"/>
+          <a:ext cx="0" cy="0"/>
+          <a:chOff x="0" y="0"/>
+          <a:chExt cx="0" cy="0"/>
+        </a:xfrm>
+      </p:grpSpPr>
+      <p:sp>
+        <p:nvSpPr>
+          <p:cNvPr id="2" name="Slide Image Placeholder 1"/>
+          <p:cNvSpPr>
+            <a:spLocks noGrp="1" noRot="1" noChangeAspect="1"/>
+          </p:cNvSpPr>
+          <p:nvPr>
+            <p:ph type="sldImg"/>
+          </p:nvPr>
+        </p:nvSpPr>
+        <p:spPr/>
+      </p:sp>
+      <p:sp>
+        <p:nvSpPr>
+          <p:cNvPr id="3" name="Notes Placeholder 2"/>
+          <p:cNvSpPr>
+            <a:spLocks noGrp="1"/>
+          </p:cNvSpPr>
+          <p:nvPr>
+            <p:ph type="body" idx="1"/>
+          </p:nvPr>
+        </p:nvSpPr>
+        <p:spPr/>
+        <p:txBody>
+          <a:bodyPr/>
+          <a:lstStyle/>
+          <a:p>
+            <a:r>
+              <a:rPr lang="en-PT" dirty="0"/>
+              <a:t>The motivation is Secure Multiparty Computation and there are currently </a:t>
+            </a:r>
+          </a:p>
+          <a:p>
+            <a:endParaRPr lang="en-PT" dirty="0"/>
+          </a:p>
+          <a:p>
+            <a:endParaRPr lang="en-PT" dirty="0"/>
+          </a:p>
+          <a:p>
+            <a:r>
+              <a:rPr lang="en-PT" dirty="0"/>
+              <a:t>MPC protocols can be devided through several perspectives but here we will look from the point of view of its circuit architecture. </a:t>
+            </a:r>
+          </a:p>
+          <a:p>
+            <a:endParaRPr lang="en-PT" dirty="0"/>
+          </a:p>
+          <a:p>
+            <a:endParaRPr lang="en-PT" dirty="0"/>
+          </a:p>
+          <a:p>
+            <a:endParaRPr lang="en-PT" dirty="0"/>
+          </a:p>
+          <a:p>
+            <a:r>
+              <a:rPr lang="en-PT" dirty="0"/>
+              <a:t>MPC protocols are based in either Boolean circuits or Arithmetic circuits</a:t>
+            </a:r>
+          </a:p>
+        </p:txBody>
+      </p:sp>
+      <p:sp>
+        <p:nvSpPr>
+          <p:cNvPr id="4" name="Slide Number Placeholder 3"/>
+          <p:cNvSpPr>
+            <a:spLocks noGrp="1"/>
+          </p:cNvSpPr>
+          <p:nvPr>
+            <p:ph type="sldNum" sz="quarter" idx="5"/>
+          </p:nvPr>
+        </p:nvSpPr>
+        <p:spPr/>
+        <p:txBody>
+          <a:bodyPr/>
+          <a:lstStyle/>
+          <a:p>
+            <a:fld id="{AE24931C-52E6-4C44-B1F4-F33C2160C3B2}" type="slidenum">
+              <a:rPr lang="en-PT" smtClean="0"/>
+              <a:t>26</a:t>
+            </a:fld>
+            <a:endParaRPr lang="en-PT"/>
+          </a:p>
+        </p:txBody>
+      </p:sp>
+    </p:spTree>
+    <p:extLst>
+      <p:ext uri="{BB962C8B-B14F-4D97-AF65-F5344CB8AC3E}">
+        <p14:creationId xmlns:p14="http://schemas.microsoft.com/office/powerpoint/2010/main" val="2838900155"/>
+      </p:ext>
+    </p:extLst>
+  </p:cSld>
+  <p:clrMapOvr>
+    <a:masterClrMapping/>
+  </p:clrMapOvr>
+</p:notes>
+</file>
+
 <file path=ppt/notesSlides/notesSlide3.xml><?xml version="1.0" encoding="utf-8"?>
 <p:notes xmlns:a="http://schemas.openxmlformats.org/drawingml/2006/main" xmlns:r="http://schemas.openxmlformats.org/officeDocument/2006/relationships" xmlns:p="http://schemas.openxmlformats.org/presentationml/2006/main">
   <p:cSld>
@@ -3422,7 +3652,7 @@
           <a:p>
             <a:fld id="{76969C88-B244-455D-A017-012B25B1ACDD}" type="datetimeFigureOut">
               <a:rPr lang="en-US" smtClean="0"/>
-              <a:t>4/8/23</a:t>
+              <a:t>4/12/23</a:t>
             </a:fld>
             <a:endParaRPr lang="en-US"/>
           </a:p>
@@ -3622,7 +3852,7 @@
           <a:p>
             <a:fld id="{76969C88-B244-455D-A017-012B25B1ACDD}" type="datetimeFigureOut">
               <a:rPr lang="en-US" smtClean="0"/>
-              <a:t>4/8/23</a:t>
+              <a:t>4/12/23</a:t>
             </a:fld>
             <a:endParaRPr lang="en-US"/>
           </a:p>
@@ -3832,7 +4062,7 @@
           <a:p>
             <a:fld id="{76969C88-B244-455D-A017-012B25B1ACDD}" type="datetimeFigureOut">
               <a:rPr lang="en-US" smtClean="0"/>
-              <a:t>4/8/23</a:t>
+              <a:t>4/12/23</a:t>
             </a:fld>
             <a:endParaRPr lang="en-US"/>
           </a:p>
@@ -4032,7 +4262,7 @@
           <a:p>
             <a:fld id="{76969C88-B244-455D-A017-012B25B1ACDD}" type="datetimeFigureOut">
               <a:rPr lang="en-US" smtClean="0"/>
-              <a:t>4/8/23</a:t>
+              <a:t>4/12/23</a:t>
             </a:fld>
             <a:endParaRPr lang="en-US"/>
           </a:p>
@@ -4308,7 +4538,7 @@
           <a:p>
             <a:fld id="{76969C88-B244-455D-A017-012B25B1ACDD}" type="datetimeFigureOut">
               <a:rPr lang="en-US" smtClean="0"/>
-              <a:t>4/8/23</a:t>
+              <a:t>4/12/23</a:t>
             </a:fld>
             <a:endParaRPr lang="en-US"/>
           </a:p>
@@ -4576,7 +4806,7 @@
           <a:p>
             <a:fld id="{76969C88-B244-455D-A017-012B25B1ACDD}" type="datetimeFigureOut">
               <a:rPr lang="en-US" smtClean="0"/>
-              <a:t>4/8/23</a:t>
+              <a:t>4/12/23</a:t>
             </a:fld>
             <a:endParaRPr lang="en-US"/>
           </a:p>
@@ -4991,7 +5221,7 @@
           <a:p>
             <a:fld id="{76969C88-B244-455D-A017-012B25B1ACDD}" type="datetimeFigureOut">
               <a:rPr lang="en-US" smtClean="0"/>
-              <a:t>4/8/23</a:t>
+              <a:t>4/12/23</a:t>
             </a:fld>
             <a:endParaRPr lang="en-US"/>
           </a:p>
@@ -5133,7 +5363,7 @@
           <a:p>
             <a:fld id="{76969C88-B244-455D-A017-012B25B1ACDD}" type="datetimeFigureOut">
               <a:rPr lang="en-US" smtClean="0"/>
-              <a:t>4/8/23</a:t>
+              <a:t>4/12/23</a:t>
             </a:fld>
             <a:endParaRPr lang="en-US"/>
           </a:p>
@@ -5246,7 +5476,7 @@
           <a:p>
             <a:fld id="{76969C88-B244-455D-A017-012B25B1ACDD}" type="datetimeFigureOut">
               <a:rPr lang="en-US" smtClean="0"/>
-              <a:t>4/8/23</a:t>
+              <a:t>4/12/23</a:t>
             </a:fld>
             <a:endParaRPr lang="en-US"/>
           </a:p>
@@ -5559,7 +5789,7 @@
           <a:p>
             <a:fld id="{76969C88-B244-455D-A017-012B25B1ACDD}" type="datetimeFigureOut">
               <a:rPr lang="en-US" smtClean="0"/>
-              <a:t>4/8/23</a:t>
+              <a:t>4/12/23</a:t>
             </a:fld>
             <a:endParaRPr lang="en-US"/>
           </a:p>
@@ -5848,7 +6078,7 @@
           <a:p>
             <a:fld id="{76969C88-B244-455D-A017-012B25B1ACDD}" type="datetimeFigureOut">
               <a:rPr lang="en-US" smtClean="0"/>
-              <a:t>4/8/23</a:t>
+              <a:t>4/12/23</a:t>
             </a:fld>
             <a:endParaRPr lang="en-US"/>
           </a:p>
@@ -6092,7 +6322,7 @@
             <a:fld id="{76969C88-B244-455D-A017-012B25B1ACDD}" type="datetimeFigureOut">
               <a:rPr lang="en-US" smtClean="0"/>
               <a:pPr/>
-              <a:t>4/8/23</a:t>
+              <a:t>4/12/23</a:t>
             </a:fld>
             <a:endParaRPr lang="en-US"/>
           </a:p>
@@ -29916,8 +30146,8 @@
           </a:p>
         </p:txBody>
       </p:sp>
-      <mc:AlternateContent xmlns:mc="http://schemas.openxmlformats.org/markup-compatibility/2006">
-        <mc:Choice xmlns:a14="http://schemas.microsoft.com/office/drawing/2010/main" Requires="a14">
+      <mc:AlternateContent xmlns:mc="http://schemas.openxmlformats.org/markup-compatibility/2006" xmlns:a14="http://schemas.microsoft.com/office/drawing/2010/main">
+        <mc:Choice Requires="a14">
           <p:sp>
             <p:nvSpPr>
               <p:cNvPr id="36" name="TextBox 35">
@@ -30036,7 +30266,7 @@
             </p:txBody>
           </p:sp>
         </mc:Choice>
-        <mc:Fallback>
+        <mc:Fallback xmlns="">
           <p:sp>
             <p:nvSpPr>
               <p:cNvPr id="36" name="TextBox 35">
@@ -32976,6 +33206,121 @@
       </p:grpSpPr>
       <p:sp>
         <p:nvSpPr>
+          <p:cNvPr id="118" name="Circular Arrow 117">
+            <a:extLst>
+              <a:ext uri="{FF2B5EF4-FFF2-40B4-BE49-F238E27FC236}">
+                <a16:creationId xmlns:a16="http://schemas.microsoft.com/office/drawing/2014/main" id="{B0328F6B-A814-F149-A774-2FF69A96BBA7}"/>
+              </a:ext>
+            </a:extLst>
+          </p:cNvPr>
+          <p:cNvSpPr/>
+          <p:nvPr/>
+        </p:nvSpPr>
+        <p:spPr>
+          <a:xfrm>
+            <a:off x="2992591" y="1475855"/>
+            <a:ext cx="1787226" cy="1726156"/>
+          </a:xfrm>
+          <a:prstGeom prst="circularArrow">
+            <a:avLst>
+              <a:gd name="adj1" fmla="val 6535"/>
+              <a:gd name="adj2" fmla="val 1034925"/>
+              <a:gd name="adj3" fmla="val 20457680"/>
+              <a:gd name="adj4" fmla="val 10800000"/>
+              <a:gd name="adj5" fmla="val 12500"/>
+            </a:avLst>
+          </a:prstGeom>
+          <a:solidFill>
+            <a:srgbClr val="5E7E47"/>
+          </a:solidFill>
+          <a:ln>
+            <a:solidFill>
+              <a:srgbClr val="5E7E47"/>
+            </a:solidFill>
+            <a:prstDash val="solid"/>
+          </a:ln>
+        </p:spPr>
+        <p:style>
+          <a:lnRef idx="2">
+            <a:schemeClr val="accent1">
+              <a:shade val="50000"/>
+            </a:schemeClr>
+          </a:lnRef>
+          <a:fillRef idx="1">
+            <a:schemeClr val="accent1"/>
+          </a:fillRef>
+          <a:effectRef idx="0">
+            <a:schemeClr val="accent1"/>
+          </a:effectRef>
+          <a:fontRef idx="minor">
+            <a:schemeClr val="lt1"/>
+          </a:fontRef>
+        </p:style>
+        <p:txBody>
+          <a:bodyPr rtlCol="0" anchor="ctr"/>
+          <a:lstStyle/>
+          <a:p>
+            <a:pPr algn="ctr"/>
+            <a:endParaRPr lang="en-PT">
+              <a:solidFill>
+                <a:schemeClr val="tx1"/>
+              </a:solidFill>
+            </a:endParaRPr>
+          </a:p>
+        </p:txBody>
+      </p:sp>
+      <p:sp>
+        <p:nvSpPr>
+          <p:cNvPr id="119" name="TextBox 118">
+            <a:extLst>
+              <a:ext uri="{FF2B5EF4-FFF2-40B4-BE49-F238E27FC236}">
+                <a16:creationId xmlns:a16="http://schemas.microsoft.com/office/drawing/2014/main" id="{600F9D7E-2005-F24A-BF0F-BD21F0ACC760}"/>
+              </a:ext>
+            </a:extLst>
+          </p:cNvPr>
+          <p:cNvSpPr txBox="1"/>
+          <p:nvPr/>
+        </p:nvSpPr>
+        <p:spPr>
+          <a:xfrm>
+            <a:off x="3423719" y="1894635"/>
+            <a:ext cx="888384" cy="338554"/>
+          </a:xfrm>
+          <a:prstGeom prst="rect">
+            <a:avLst/>
+          </a:prstGeom>
+          <a:noFill/>
+        </p:spPr>
+        <p:txBody>
+          <a:bodyPr wrap="none" rtlCol="0">
+            <a:spAutoFit/>
+          </a:bodyPr>
+          <a:lstStyle/>
+          <a:p>
+            <a:pPr algn="ctr"/>
+            <a:r>
+              <a:rPr lang="en-PT" sz="1600" b="1" dirty="0">
+                <a:solidFill>
+                  <a:srgbClr val="5E7E47"/>
+                </a:solidFill>
+                <a:latin typeface="Avenir Next LT Pro" panose="020B0504020202020204" pitchFamily="34" charset="77"/>
+              </a:rPr>
+              <a:t>S</a:t>
+            </a:r>
+            <a:r>
+              <a:rPr lang="en-PT" sz="1600" dirty="0">
+                <a:solidFill>
+                  <a:srgbClr val="5E7E47"/>
+                </a:solidFill>
+                <a:latin typeface="Avenir Next LT Pro" panose="020B0504020202020204" pitchFamily="34" charset="77"/>
+              </a:rPr>
+              <a:t>PM’21</a:t>
+            </a:r>
+          </a:p>
+        </p:txBody>
+      </p:sp>
+      <p:sp>
+        <p:nvSpPr>
           <p:cNvPr id="2" name="Title 1">
             <a:extLst>
               <a:ext uri="{FF2B5EF4-FFF2-40B4-BE49-F238E27FC236}">
@@ -33004,7 +33349,7 @@
               <a:rPr lang="en-PT" dirty="0">
                 <a:latin typeface="Avenir Next LT Pro" panose="020B0504020202020204" pitchFamily="34" charset="77"/>
               </a:rPr>
-              <a:t>Phylogenetic tree analysis</a:t>
+              <a:t>Private phylogenetic trees</a:t>
             </a:r>
           </a:p>
         </p:txBody>
@@ -33986,10 +34331,127 @@
       </p:sp>
       <p:sp>
         <p:nvSpPr>
-          <p:cNvPr id="103" name="Bent Arrow 102">
-            <a:extLst>
-              <a:ext uri="{FF2B5EF4-FFF2-40B4-BE49-F238E27FC236}">
-                <a16:creationId xmlns:a16="http://schemas.microsoft.com/office/drawing/2014/main" id="{7060E618-4443-2E4D-B8ED-E619498ADE91}"/>
+          <p:cNvPr id="104" name="TextBox 103">
+            <a:extLst>
+              <a:ext uri="{FF2B5EF4-FFF2-40B4-BE49-F238E27FC236}">
+                <a16:creationId xmlns:a16="http://schemas.microsoft.com/office/drawing/2014/main" id="{BC5EBE7E-C688-094A-B03A-6FBBBF8EEF34}"/>
+              </a:ext>
+            </a:extLst>
+          </p:cNvPr>
+          <p:cNvSpPr txBox="1"/>
+          <p:nvPr/>
+        </p:nvSpPr>
+        <p:spPr>
+          <a:xfrm>
+            <a:off x="447039" y="5900216"/>
+            <a:ext cx="1605391" cy="400110"/>
+          </a:xfrm>
+          <a:prstGeom prst="rect">
+            <a:avLst/>
+          </a:prstGeom>
+          <a:noFill/>
+        </p:spPr>
+        <p:txBody>
+          <a:bodyPr wrap="square" rtlCol="0">
+            <a:spAutoFit/>
+          </a:bodyPr>
+          <a:lstStyle/>
+          <a:p>
+            <a:r>
+              <a:rPr lang="en-PT" sz="2000" dirty="0">
+                <a:latin typeface="Avenir Next LT Pro" panose="020B0504020202020204" pitchFamily="34" charset="77"/>
+              </a:rPr>
+              <a:t>Application</a:t>
+            </a:r>
+          </a:p>
+        </p:txBody>
+      </p:sp>
+      <p:sp>
+        <p:nvSpPr>
+          <p:cNvPr id="105" name="TextBox 104">
+            <a:extLst>
+              <a:ext uri="{FF2B5EF4-FFF2-40B4-BE49-F238E27FC236}">
+                <a16:creationId xmlns:a16="http://schemas.microsoft.com/office/drawing/2014/main" id="{4FCF1DC6-3240-CA4D-82B6-D8C67C68486F}"/>
+              </a:ext>
+            </a:extLst>
+          </p:cNvPr>
+          <p:cNvSpPr txBox="1"/>
+          <p:nvPr/>
+        </p:nvSpPr>
+        <p:spPr>
+          <a:xfrm>
+            <a:off x="433833" y="3218527"/>
+            <a:ext cx="1605391" cy="400110"/>
+          </a:xfrm>
+          <a:prstGeom prst="rect">
+            <a:avLst/>
+          </a:prstGeom>
+          <a:noFill/>
+        </p:spPr>
+        <p:txBody>
+          <a:bodyPr wrap="square" rtlCol="0">
+            <a:spAutoFit/>
+          </a:bodyPr>
+          <a:lstStyle/>
+          <a:p>
+            <a:r>
+              <a:rPr lang="en-PT" sz="2000" dirty="0">
+                <a:latin typeface="Avenir Next LT Pro" panose="020B0504020202020204" pitchFamily="34" charset="77"/>
+              </a:rPr>
+              <a:t>Primitive</a:t>
+            </a:r>
+          </a:p>
+        </p:txBody>
+      </p:sp>
+      <p:cxnSp>
+        <p:nvCxnSpPr>
+          <p:cNvPr id="106" name="Straight Connector 105">
+            <a:extLst>
+              <a:ext uri="{FF2B5EF4-FFF2-40B4-BE49-F238E27FC236}">
+                <a16:creationId xmlns:a16="http://schemas.microsoft.com/office/drawing/2014/main" id="{FFC285AF-56DD-FE43-9F87-F4894E5D55AA}"/>
+              </a:ext>
+            </a:extLst>
+          </p:cNvPr>
+          <p:cNvCxnSpPr>
+            <a:cxnSpLocks/>
+          </p:cNvCxnSpPr>
+          <p:nvPr/>
+        </p:nvCxnSpPr>
+        <p:spPr>
+          <a:xfrm>
+            <a:off x="6096000" y="2459736"/>
+            <a:ext cx="0" cy="4016478"/>
+          </a:xfrm>
+          <a:prstGeom prst="line">
+            <a:avLst/>
+          </a:prstGeom>
+          <a:ln w="19050">
+            <a:solidFill>
+              <a:schemeClr val="tx1"/>
+            </a:solidFill>
+          </a:ln>
+        </p:spPr>
+        <p:style>
+          <a:lnRef idx="1">
+            <a:schemeClr val="dk1"/>
+          </a:lnRef>
+          <a:fillRef idx="0">
+            <a:schemeClr val="dk1"/>
+          </a:fillRef>
+          <a:effectRef idx="0">
+            <a:schemeClr val="dk1"/>
+          </a:effectRef>
+          <a:fontRef idx="minor">
+            <a:schemeClr val="tx1"/>
+          </a:fontRef>
+        </p:style>
+      </p:cxnSp>
+      <p:sp>
+        <p:nvSpPr>
+          <p:cNvPr id="108" name="Bent Arrow 107">
+            <a:extLst>
+              <a:ext uri="{FF2B5EF4-FFF2-40B4-BE49-F238E27FC236}">
+                <a16:creationId xmlns:a16="http://schemas.microsoft.com/office/drawing/2014/main" id="{FAF9AEA8-9430-D847-B3F7-7D2C5BC7FA29}"/>
               </a:ext>
             </a:extLst>
           </p:cNvPr>
@@ -33997,9 +34459,9 @@
           <p:nvPr/>
         </p:nvSpPr>
         <p:spPr>
-          <a:xfrm rot="5400000">
-            <a:off x="1947428" y="3775263"/>
-            <a:ext cx="1979895" cy="358638"/>
+          <a:xfrm rot="16200000" flipH="1">
+            <a:off x="3840618" y="3898097"/>
+            <a:ext cx="1734233" cy="358638"/>
           </a:xfrm>
           <a:prstGeom prst="bentArrow">
             <a:avLst>
@@ -34010,13 +34472,11 @@
             </a:avLst>
           </a:prstGeom>
           <a:solidFill>
-            <a:srgbClr val="5E7E47"/>
+            <a:srgbClr val="5EA5C7"/>
           </a:solidFill>
           <a:ln>
-            <a:solidFill>
-              <a:srgbClr val="5E7E47"/>
-            </a:solidFill>
-            <a:prstDash val="solid"/>
+            <a:noFill/>
+            <a:prstDash val="dash"/>
           </a:ln>
         </p:spPr>
         <p:style>
@@ -34050,127 +34510,10 @@
       </p:sp>
       <p:sp>
         <p:nvSpPr>
-          <p:cNvPr id="104" name="TextBox 103">
-            <a:extLst>
-              <a:ext uri="{FF2B5EF4-FFF2-40B4-BE49-F238E27FC236}">
-                <a16:creationId xmlns:a16="http://schemas.microsoft.com/office/drawing/2014/main" id="{BC5EBE7E-C688-094A-B03A-6FBBBF8EEF34}"/>
-              </a:ext>
-            </a:extLst>
-          </p:cNvPr>
-          <p:cNvSpPr txBox="1"/>
-          <p:nvPr/>
-        </p:nvSpPr>
-        <p:spPr>
-          <a:xfrm>
-            <a:off x="447039" y="5900216"/>
-            <a:ext cx="1605391" cy="400110"/>
-          </a:xfrm>
-          <a:prstGeom prst="rect">
-            <a:avLst/>
-          </a:prstGeom>
-          <a:noFill/>
-        </p:spPr>
-        <p:txBody>
-          <a:bodyPr wrap="square" rtlCol="0">
-            <a:spAutoFit/>
-          </a:bodyPr>
-          <a:lstStyle/>
-          <a:p>
-            <a:r>
-              <a:rPr lang="en-PT" sz="2000" dirty="0">
-                <a:latin typeface="Avenir Next LT Pro" panose="020B0504020202020204" pitchFamily="34" charset="77"/>
-              </a:rPr>
-              <a:t>Application</a:t>
-            </a:r>
-          </a:p>
-        </p:txBody>
-      </p:sp>
-      <p:sp>
-        <p:nvSpPr>
-          <p:cNvPr id="105" name="TextBox 104">
-            <a:extLst>
-              <a:ext uri="{FF2B5EF4-FFF2-40B4-BE49-F238E27FC236}">
-                <a16:creationId xmlns:a16="http://schemas.microsoft.com/office/drawing/2014/main" id="{4FCF1DC6-3240-CA4D-82B6-D8C67C68486F}"/>
-              </a:ext>
-            </a:extLst>
-          </p:cNvPr>
-          <p:cNvSpPr txBox="1"/>
-          <p:nvPr/>
-        </p:nvSpPr>
-        <p:spPr>
-          <a:xfrm>
-            <a:off x="433833" y="3218527"/>
-            <a:ext cx="1605391" cy="400110"/>
-          </a:xfrm>
-          <a:prstGeom prst="rect">
-            <a:avLst/>
-          </a:prstGeom>
-          <a:noFill/>
-        </p:spPr>
-        <p:txBody>
-          <a:bodyPr wrap="square" rtlCol="0">
-            <a:spAutoFit/>
-          </a:bodyPr>
-          <a:lstStyle/>
-          <a:p>
-            <a:r>
-              <a:rPr lang="en-PT" sz="2000" dirty="0">
-                <a:latin typeface="Avenir Next LT Pro" panose="020B0504020202020204" pitchFamily="34" charset="77"/>
-              </a:rPr>
-              <a:t>Primitive</a:t>
-            </a:r>
-          </a:p>
-        </p:txBody>
-      </p:sp>
-      <p:cxnSp>
-        <p:nvCxnSpPr>
-          <p:cNvPr id="106" name="Straight Connector 105">
-            <a:extLst>
-              <a:ext uri="{FF2B5EF4-FFF2-40B4-BE49-F238E27FC236}">
-                <a16:creationId xmlns:a16="http://schemas.microsoft.com/office/drawing/2014/main" id="{FFC285AF-56DD-FE43-9F87-F4894E5D55AA}"/>
-              </a:ext>
-            </a:extLst>
-          </p:cNvPr>
-          <p:cNvCxnSpPr>
-            <a:cxnSpLocks/>
-          </p:cNvCxnSpPr>
-          <p:nvPr/>
-        </p:nvCxnSpPr>
-        <p:spPr>
-          <a:xfrm>
-            <a:off x="6096000" y="2459736"/>
-            <a:ext cx="0" cy="4016478"/>
-          </a:xfrm>
-          <a:prstGeom prst="line">
-            <a:avLst/>
-          </a:prstGeom>
-          <a:ln w="19050">
-            <a:solidFill>
-              <a:schemeClr val="tx1"/>
-            </a:solidFill>
-          </a:ln>
-        </p:spPr>
-        <p:style>
-          <a:lnRef idx="1">
-            <a:schemeClr val="dk1"/>
-          </a:lnRef>
-          <a:fillRef idx="0">
-            <a:schemeClr val="dk1"/>
-          </a:fillRef>
-          <a:effectRef idx="0">
-            <a:schemeClr val="dk1"/>
-          </a:effectRef>
-          <a:fontRef idx="minor">
-            <a:schemeClr val="tx1"/>
-          </a:fontRef>
-        </p:style>
-      </p:cxnSp>
-      <p:sp>
-        <p:nvSpPr>
-          <p:cNvPr id="107" name="Down Arrow 106">
-            <a:extLst>
-              <a:ext uri="{FF2B5EF4-FFF2-40B4-BE49-F238E27FC236}">
-                <a16:creationId xmlns:a16="http://schemas.microsoft.com/office/drawing/2014/main" id="{057AE1A5-6AB8-A043-9814-A9CD67ABF216}"/>
+          <p:cNvPr id="109" name="Down Arrow 108">
+            <a:extLst>
+              <a:ext uri="{FF2B5EF4-FFF2-40B4-BE49-F238E27FC236}">
+                <a16:creationId xmlns:a16="http://schemas.microsoft.com/office/drawing/2014/main" id="{163B9B57-A1DD-0240-A7DC-E358D62E5BB5}"/>
               </a:ext>
             </a:extLst>
           </p:cNvPr>
@@ -34179,7 +34522,7 @@
         </p:nvSpPr>
         <p:spPr>
           <a:xfrm>
-            <a:off x="2865001" y="5089212"/>
+            <a:off x="4546089" y="5082866"/>
             <a:ext cx="256937" cy="932818"/>
           </a:xfrm>
           <a:prstGeom prst="downArrow">
@@ -34189,13 +34532,11 @@
             </a:avLst>
           </a:prstGeom>
           <a:solidFill>
-            <a:srgbClr val="5E7E47"/>
+            <a:srgbClr val="5EA5C7"/>
           </a:solidFill>
           <a:ln>
-            <a:solidFill>
-              <a:srgbClr val="5E7E47"/>
-            </a:solidFill>
-            <a:prstDash val="solid"/>
+            <a:noFill/>
+            <a:prstDash val="dash"/>
           </a:ln>
         </p:spPr>
         <p:style>
@@ -34225,10 +34566,186 @@
       </p:sp>
       <p:sp>
         <p:nvSpPr>
-          <p:cNvPr id="108" name="Bent Arrow 107">
-            <a:extLst>
-              <a:ext uri="{FF2B5EF4-FFF2-40B4-BE49-F238E27FC236}">
-                <a16:creationId xmlns:a16="http://schemas.microsoft.com/office/drawing/2014/main" id="{FAF9AEA8-9430-D847-B3F7-7D2C5BC7FA29}"/>
+          <p:cNvPr id="110" name="TextBox 109">
+            <a:extLst>
+              <a:ext uri="{FF2B5EF4-FFF2-40B4-BE49-F238E27FC236}">
+                <a16:creationId xmlns:a16="http://schemas.microsoft.com/office/drawing/2014/main" id="{B01E255B-6695-0649-B1B9-EEC0ACBC2DAE}"/>
+              </a:ext>
+            </a:extLst>
+          </p:cNvPr>
+          <p:cNvSpPr txBox="1"/>
+          <p:nvPr/>
+        </p:nvSpPr>
+        <p:spPr>
+          <a:xfrm>
+            <a:off x="9112560" y="2847424"/>
+            <a:ext cx="1403040" cy="830997"/>
+          </a:xfrm>
+          <a:prstGeom prst="rect">
+            <a:avLst/>
+          </a:prstGeom>
+          <a:noFill/>
+        </p:spPr>
+        <p:txBody>
+          <a:bodyPr wrap="square" rtlCol="0">
+            <a:spAutoFit/>
+          </a:bodyPr>
+          <a:lstStyle/>
+          <a:p>
+            <a:pPr algn="r"/>
+            <a:r>
+              <a:rPr lang="en-PT" sz="1600" dirty="0">
+                <a:solidFill>
+                  <a:srgbClr val="5EA5C7"/>
+                </a:solidFill>
+                <a:latin typeface="Avenir Next LT Pro" panose="020B0504020202020204" pitchFamily="34" charset="77"/>
+              </a:rPr>
+              <a:t>[NP’99] </a:t>
+            </a:r>
+          </a:p>
+          <a:p>
+            <a:pPr algn="r"/>
+            <a:r>
+              <a:rPr lang="en-PT" sz="1600" dirty="0">
+                <a:solidFill>
+                  <a:srgbClr val="5EA5C7"/>
+                </a:solidFill>
+                <a:latin typeface="Avenir Next LT Pro" panose="020B0504020202020204" pitchFamily="34" charset="77"/>
+              </a:rPr>
+              <a:t>TinyOLE</a:t>
+            </a:r>
+          </a:p>
+          <a:p>
+            <a:pPr algn="r"/>
+            <a:r>
+              <a:rPr lang="en-PT" sz="1600" dirty="0">
+                <a:solidFill>
+                  <a:srgbClr val="5EA5C7"/>
+                </a:solidFill>
+                <a:latin typeface="Avenir Next LT Pro" panose="020B0504020202020204" pitchFamily="34" charset="77"/>
+              </a:rPr>
+              <a:t>…</a:t>
+            </a:r>
+          </a:p>
+        </p:txBody>
+      </p:sp>
+      <p:sp>
+        <p:nvSpPr>
+          <p:cNvPr id="111" name="TextBox 110">
+            <a:extLst>
+              <a:ext uri="{FF2B5EF4-FFF2-40B4-BE49-F238E27FC236}">
+                <a16:creationId xmlns:a16="http://schemas.microsoft.com/office/drawing/2014/main" id="{F835493F-24CC-7B47-8E74-817F77815817}"/>
+              </a:ext>
+            </a:extLst>
+          </p:cNvPr>
+          <p:cNvSpPr txBox="1"/>
+          <p:nvPr/>
+        </p:nvSpPr>
+        <p:spPr>
+          <a:xfrm>
+            <a:off x="9112560" y="4853083"/>
+            <a:ext cx="1403040" cy="338554"/>
+          </a:xfrm>
+          <a:prstGeom prst="rect">
+            <a:avLst/>
+          </a:prstGeom>
+          <a:noFill/>
+        </p:spPr>
+        <p:txBody>
+          <a:bodyPr wrap="square" rtlCol="0">
+            <a:spAutoFit/>
+          </a:bodyPr>
+          <a:lstStyle/>
+          <a:p>
+            <a:pPr algn="r"/>
+            <a:r>
+              <a:rPr lang="en-PT" sz="1600" dirty="0">
+                <a:solidFill>
+                  <a:srgbClr val="5EA5C7"/>
+                </a:solidFill>
+                <a:latin typeface="Avenir Next LT Pro" panose="020B0504020202020204" pitchFamily="34" charset="77"/>
+              </a:rPr>
+              <a:t>MASCOT</a:t>
+            </a:r>
+          </a:p>
+        </p:txBody>
+      </p:sp>
+      <p:sp>
+        <p:nvSpPr>
+          <p:cNvPr id="112" name="TextBox 111">
+            <a:extLst>
+              <a:ext uri="{FF2B5EF4-FFF2-40B4-BE49-F238E27FC236}">
+                <a16:creationId xmlns:a16="http://schemas.microsoft.com/office/drawing/2014/main" id="{A7D4E725-A94B-DF4B-A3A0-2141BED47DDA}"/>
+              </a:ext>
+            </a:extLst>
+          </p:cNvPr>
+          <p:cNvSpPr txBox="1"/>
+          <p:nvPr/>
+        </p:nvSpPr>
+        <p:spPr>
+          <a:xfrm>
+            <a:off x="10605108" y="4789088"/>
+            <a:ext cx="1169843" cy="461665"/>
+          </a:xfrm>
+          <a:prstGeom prst="rect">
+            <a:avLst/>
+          </a:prstGeom>
+          <a:solidFill>
+            <a:schemeClr val="bg1"/>
+          </a:solidFill>
+        </p:spPr>
+        <p:txBody>
+          <a:bodyPr wrap="square" rtlCol="0">
+            <a:spAutoFit/>
+          </a:bodyPr>
+          <a:lstStyle/>
+          <a:p>
+            <a:pPr algn="ctr"/>
+            <a:r>
+              <a:rPr lang="en-PT" sz="1200" dirty="0">
+                <a:solidFill>
+                  <a:schemeClr val="bg1">
+                    <a:lumMod val="85000"/>
+                  </a:schemeClr>
+                </a:solidFill>
+                <a:latin typeface="Avenir Next LT Pro" panose="020B0504020202020204" pitchFamily="34" charset="77"/>
+              </a:rPr>
+              <a:t>OT reduction</a:t>
+            </a:r>
+          </a:p>
+          <a:p>
+            <a:pPr algn="ctr"/>
+            <a:r>
+              <a:rPr lang="en-GB" sz="1200" dirty="0">
+                <a:solidFill>
+                  <a:schemeClr val="bg1">
+                    <a:lumMod val="85000"/>
+                  </a:schemeClr>
+                </a:solidFill>
+                <a:latin typeface="Avenir Next LT Pro" panose="020B0504020202020204" pitchFamily="34" charset="77"/>
+              </a:rPr>
+              <a:t>i</a:t>
+            </a:r>
+            <a:r>
+              <a:rPr lang="en-PT" sz="1200" dirty="0">
+                <a:solidFill>
+                  <a:schemeClr val="bg1">
+                    <a:lumMod val="85000"/>
+                  </a:schemeClr>
+                </a:solidFill>
+                <a:latin typeface="Avenir Next LT Pro" panose="020B0504020202020204" pitchFamily="34" charset="77"/>
+              </a:rPr>
+              <a:t>nto SPDZ</a:t>
+            </a:r>
+          </a:p>
+        </p:txBody>
+      </p:sp>
+      <p:sp>
+        <p:nvSpPr>
+          <p:cNvPr id="113" name="Bent Arrow 112">
+            <a:extLst>
+              <a:ext uri="{FF2B5EF4-FFF2-40B4-BE49-F238E27FC236}">
+                <a16:creationId xmlns:a16="http://schemas.microsoft.com/office/drawing/2014/main" id="{BBCAA2A4-D600-424A-B26E-D8366968EFA8}"/>
               </a:ext>
             </a:extLst>
           </p:cNvPr>
@@ -34236,15 +34753,15 @@
           <p:nvPr/>
         </p:nvSpPr>
         <p:spPr>
-          <a:xfrm rot="16200000" flipH="1">
-            <a:off x="3840618" y="3898097"/>
-            <a:ext cx="1734233" cy="358638"/>
+          <a:xfrm rot="5400000">
+            <a:off x="7048321" y="2097439"/>
+            <a:ext cx="1663331" cy="3868183"/>
           </a:xfrm>
           <a:prstGeom prst="bentArrow">
             <a:avLst>
-              <a:gd name="adj1" fmla="val 25000"/>
-              <a:gd name="adj2" fmla="val 37964"/>
-              <a:gd name="adj3" fmla="val 50000"/>
+              <a:gd name="adj1" fmla="val 4379"/>
+              <a:gd name="adj2" fmla="val 6956"/>
+              <a:gd name="adj3" fmla="val 9919"/>
               <a:gd name="adj4" fmla="val 43750"/>
             </a:avLst>
           </a:prstGeom>
@@ -34252,8 +34769,9 @@
             <a:srgbClr val="5EA5C7"/>
           </a:solidFill>
           <a:ln>
-            <a:noFill/>
-            <a:prstDash val="dash"/>
+            <a:solidFill>
+              <a:srgbClr val="5EA5C7"/>
+            </a:solidFill>
           </a:ln>
         </p:spPr>
         <p:style>
@@ -34287,10 +34805,10 @@
       </p:sp>
       <p:sp>
         <p:nvSpPr>
-          <p:cNvPr id="109" name="Down Arrow 108">
-            <a:extLst>
-              <a:ext uri="{FF2B5EF4-FFF2-40B4-BE49-F238E27FC236}">
-                <a16:creationId xmlns:a16="http://schemas.microsoft.com/office/drawing/2014/main" id="{163B9B57-A1DD-0240-A7DC-E358D62E5BB5}"/>
+          <p:cNvPr id="114" name="Bent Arrow 113">
+            <a:extLst>
+              <a:ext uri="{FF2B5EF4-FFF2-40B4-BE49-F238E27FC236}">
+                <a16:creationId xmlns:a16="http://schemas.microsoft.com/office/drawing/2014/main" id="{FDF2B201-CAF2-AE49-B3AF-E75F4FED1D70}"/>
               </a:ext>
             </a:extLst>
           </p:cNvPr>
@@ -34298,22 +34816,26 @@
           <p:nvPr/>
         </p:nvSpPr>
         <p:spPr>
-          <a:xfrm>
-            <a:off x="4546089" y="5082866"/>
-            <a:ext cx="256937" cy="932818"/>
-          </a:xfrm>
-          <a:prstGeom prst="downArrow">
+          <a:xfrm rot="5400000">
+            <a:off x="5687914" y="362082"/>
+            <a:ext cx="1902894" cy="7099337"/>
+          </a:xfrm>
+          <a:prstGeom prst="bentArrow">
             <a:avLst>
-              <a:gd name="adj1" fmla="val 40801"/>
-              <a:gd name="adj2" fmla="val 57267"/>
+              <a:gd name="adj1" fmla="val 4138"/>
+              <a:gd name="adj2" fmla="val 6966"/>
+              <a:gd name="adj3" fmla="val 9007"/>
+              <a:gd name="adj4" fmla="val 43750"/>
             </a:avLst>
           </a:prstGeom>
           <a:solidFill>
-            <a:srgbClr val="5EA5C7"/>
+            <a:srgbClr val="5E7E47"/>
           </a:solidFill>
           <a:ln>
-            <a:noFill/>
-            <a:prstDash val="dash"/>
+            <a:solidFill>
+              <a:srgbClr val="5E7E47"/>
+            </a:solidFill>
+            <a:prstDash val="solid"/>
           </a:ln>
         </p:spPr>
         <p:style>
@@ -34337,192 +34859,20 @@
           <a:lstStyle/>
           <a:p>
             <a:pPr algn="ctr"/>
-            <a:endParaRPr lang="en-PT"/>
-          </a:p>
-        </p:txBody>
-      </p:sp>
-      <p:sp>
-        <p:nvSpPr>
-          <p:cNvPr id="110" name="TextBox 109">
-            <a:extLst>
-              <a:ext uri="{FF2B5EF4-FFF2-40B4-BE49-F238E27FC236}">
-                <a16:creationId xmlns:a16="http://schemas.microsoft.com/office/drawing/2014/main" id="{B01E255B-6695-0649-B1B9-EEC0ACBC2DAE}"/>
-              </a:ext>
-            </a:extLst>
-          </p:cNvPr>
-          <p:cNvSpPr txBox="1"/>
-          <p:nvPr/>
-        </p:nvSpPr>
-        <p:spPr>
-          <a:xfrm>
-            <a:off x="9112560" y="2847424"/>
-            <a:ext cx="1403040" cy="830997"/>
-          </a:xfrm>
-          <a:prstGeom prst="rect">
-            <a:avLst/>
-          </a:prstGeom>
-          <a:noFill/>
-        </p:spPr>
-        <p:txBody>
-          <a:bodyPr wrap="square" rtlCol="0">
-            <a:spAutoFit/>
-          </a:bodyPr>
-          <a:lstStyle/>
-          <a:p>
-            <a:pPr algn="r"/>
-            <a:r>
-              <a:rPr lang="en-PT" sz="1600" dirty="0">
-                <a:solidFill>
-                  <a:srgbClr val="5EA5C7"/>
-                </a:solidFill>
-                <a:latin typeface="Avenir Next LT Pro" panose="020B0504020202020204" pitchFamily="34" charset="77"/>
-              </a:rPr>
-              <a:t>[NP’99] </a:t>
-            </a:r>
-          </a:p>
-          <a:p>
-            <a:pPr algn="r"/>
-            <a:r>
-              <a:rPr lang="en-PT" sz="1600" dirty="0">
-                <a:solidFill>
-                  <a:srgbClr val="5EA5C7"/>
-                </a:solidFill>
-                <a:latin typeface="Avenir Next LT Pro" panose="020B0504020202020204" pitchFamily="34" charset="77"/>
-              </a:rPr>
-              <a:t>TinyOLE</a:t>
-            </a:r>
-          </a:p>
-          <a:p>
-            <a:pPr algn="r"/>
-            <a:r>
-              <a:rPr lang="en-PT" sz="1600" dirty="0">
-                <a:solidFill>
-                  <a:srgbClr val="5EA5C7"/>
-                </a:solidFill>
-                <a:latin typeface="Avenir Next LT Pro" panose="020B0504020202020204" pitchFamily="34" charset="77"/>
-              </a:rPr>
-              <a:t>…</a:t>
-            </a:r>
-          </a:p>
-        </p:txBody>
-      </p:sp>
-      <p:sp>
-        <p:nvSpPr>
-          <p:cNvPr id="111" name="TextBox 110">
-            <a:extLst>
-              <a:ext uri="{FF2B5EF4-FFF2-40B4-BE49-F238E27FC236}">
-                <a16:creationId xmlns:a16="http://schemas.microsoft.com/office/drawing/2014/main" id="{F835493F-24CC-7B47-8E74-817F77815817}"/>
-              </a:ext>
-            </a:extLst>
-          </p:cNvPr>
-          <p:cNvSpPr txBox="1"/>
-          <p:nvPr/>
-        </p:nvSpPr>
-        <p:spPr>
-          <a:xfrm>
-            <a:off x="9112560" y="4853083"/>
-            <a:ext cx="1403040" cy="338554"/>
-          </a:xfrm>
-          <a:prstGeom prst="rect">
-            <a:avLst/>
-          </a:prstGeom>
-          <a:noFill/>
-        </p:spPr>
-        <p:txBody>
-          <a:bodyPr wrap="square" rtlCol="0">
-            <a:spAutoFit/>
-          </a:bodyPr>
-          <a:lstStyle/>
-          <a:p>
-            <a:pPr algn="r"/>
-            <a:r>
-              <a:rPr lang="en-PT" sz="1600" dirty="0">
-                <a:solidFill>
-                  <a:srgbClr val="5EA5C7"/>
-                </a:solidFill>
-                <a:latin typeface="Avenir Next LT Pro" panose="020B0504020202020204" pitchFamily="34" charset="77"/>
-              </a:rPr>
-              <a:t>MASCOT</a:t>
-            </a:r>
-          </a:p>
-        </p:txBody>
-      </p:sp>
-      <p:sp>
-        <p:nvSpPr>
-          <p:cNvPr id="112" name="TextBox 111">
-            <a:extLst>
-              <a:ext uri="{FF2B5EF4-FFF2-40B4-BE49-F238E27FC236}">
-                <a16:creationId xmlns:a16="http://schemas.microsoft.com/office/drawing/2014/main" id="{A7D4E725-A94B-DF4B-A3A0-2141BED47DDA}"/>
-              </a:ext>
-            </a:extLst>
-          </p:cNvPr>
-          <p:cNvSpPr txBox="1"/>
-          <p:nvPr/>
-        </p:nvSpPr>
-        <p:spPr>
-          <a:xfrm>
-            <a:off x="10605108" y="4789088"/>
-            <a:ext cx="1169843" cy="461665"/>
-          </a:xfrm>
-          <a:prstGeom prst="rect">
-            <a:avLst/>
-          </a:prstGeom>
-          <a:solidFill>
-            <a:schemeClr val="bg1"/>
-          </a:solidFill>
-        </p:spPr>
-        <p:txBody>
-          <a:bodyPr wrap="square" rtlCol="0">
-            <a:spAutoFit/>
-          </a:bodyPr>
-          <a:lstStyle/>
-          <a:p>
-            <a:pPr algn="ctr"/>
-            <a:r>
-              <a:rPr lang="en-PT" sz="1200" dirty="0">
-                <a:solidFill>
-                  <a:schemeClr val="bg1">
-                    <a:lumMod val="85000"/>
-                  </a:schemeClr>
-                </a:solidFill>
-                <a:latin typeface="Avenir Next LT Pro" panose="020B0504020202020204" pitchFamily="34" charset="77"/>
-              </a:rPr>
-              <a:t>OT reduction</a:t>
-            </a:r>
-          </a:p>
-          <a:p>
-            <a:pPr algn="ctr"/>
-            <a:r>
-              <a:rPr lang="en-GB" sz="1200" dirty="0">
-                <a:solidFill>
-                  <a:schemeClr val="bg1">
-                    <a:lumMod val="85000"/>
-                  </a:schemeClr>
-                </a:solidFill>
-                <a:latin typeface="Avenir Next LT Pro" panose="020B0504020202020204" pitchFamily="34" charset="77"/>
-              </a:rPr>
-              <a:t>i</a:t>
-            </a:r>
-            <a:r>
-              <a:rPr lang="en-PT" sz="1200" dirty="0">
-                <a:solidFill>
-                  <a:schemeClr val="bg1">
-                    <a:lumMod val="85000"/>
-                  </a:schemeClr>
-                </a:solidFill>
-                <a:latin typeface="Avenir Next LT Pro" panose="020B0504020202020204" pitchFamily="34" charset="77"/>
-              </a:rPr>
-              <a:t>nto SPDZ</a:t>
-            </a:r>
-          </a:p>
-        </p:txBody>
-      </p:sp>
-      <p:sp>
-        <p:nvSpPr>
-          <p:cNvPr id="113" name="Bent Arrow 112">
-            <a:extLst>
-              <a:ext uri="{FF2B5EF4-FFF2-40B4-BE49-F238E27FC236}">
-                <a16:creationId xmlns:a16="http://schemas.microsoft.com/office/drawing/2014/main" id="{BBCAA2A4-D600-424A-B26E-D8366968EFA8}"/>
+            <a:endParaRPr lang="en-PT">
+              <a:solidFill>
+                <a:schemeClr val="tx1"/>
+              </a:solidFill>
+            </a:endParaRPr>
+          </a:p>
+        </p:txBody>
+      </p:sp>
+      <p:sp>
+        <p:nvSpPr>
+          <p:cNvPr id="115" name="Down Arrow 114">
+            <a:extLst>
+              <a:ext uri="{FF2B5EF4-FFF2-40B4-BE49-F238E27FC236}">
+                <a16:creationId xmlns:a16="http://schemas.microsoft.com/office/drawing/2014/main" id="{7BC5C182-E51F-5343-BD38-99D623F32604}"/>
               </a:ext>
             </a:extLst>
           </p:cNvPr>
@@ -34530,25 +34880,22 @@
           <p:nvPr/>
         </p:nvSpPr>
         <p:spPr>
-          <a:xfrm rot="5400000">
-            <a:off x="7048321" y="2097439"/>
-            <a:ext cx="1663331" cy="3868183"/>
-          </a:xfrm>
-          <a:prstGeom prst="bentArrow">
+          <a:xfrm>
+            <a:off x="9584733" y="5191637"/>
+            <a:ext cx="229345" cy="828123"/>
+          </a:xfrm>
+          <a:prstGeom prst="downArrow">
             <a:avLst>
-              <a:gd name="adj1" fmla="val 4379"/>
-              <a:gd name="adj2" fmla="val 6956"/>
-              <a:gd name="adj3" fmla="val 9919"/>
-              <a:gd name="adj4" fmla="val 43750"/>
+              <a:gd name="adj1" fmla="val 40801"/>
+              <a:gd name="adj2" fmla="val 57267"/>
             </a:avLst>
           </a:prstGeom>
           <a:solidFill>
             <a:srgbClr val="5EA5C7"/>
           </a:solidFill>
           <a:ln>
-            <a:solidFill>
-              <a:srgbClr val="5EA5C7"/>
-            </a:solidFill>
+            <a:noFill/>
+            <a:prstDash val="dash"/>
           </a:ln>
         </p:spPr>
         <p:style>
@@ -34572,20 +34919,16 @@
           <a:lstStyle/>
           <a:p>
             <a:pPr algn="ctr"/>
-            <a:endParaRPr lang="en-PT">
-              <a:solidFill>
-                <a:schemeClr val="tx1"/>
-              </a:solidFill>
-            </a:endParaRPr>
-          </a:p>
-        </p:txBody>
-      </p:sp>
-      <p:sp>
-        <p:nvSpPr>
-          <p:cNvPr id="114" name="Bent Arrow 113">
-            <a:extLst>
-              <a:ext uri="{FF2B5EF4-FFF2-40B4-BE49-F238E27FC236}">
-                <a16:creationId xmlns:a16="http://schemas.microsoft.com/office/drawing/2014/main" id="{FDF2B201-CAF2-AE49-B3AF-E75F4FED1D70}"/>
+            <a:endParaRPr lang="en-PT"/>
+          </a:p>
+        </p:txBody>
+      </p:sp>
+      <p:sp>
+        <p:nvSpPr>
+          <p:cNvPr id="116" name="Down Arrow 115">
+            <a:extLst>
+              <a:ext uri="{FF2B5EF4-FFF2-40B4-BE49-F238E27FC236}">
+                <a16:creationId xmlns:a16="http://schemas.microsoft.com/office/drawing/2014/main" id="{1A10211A-686E-1A4D-BE22-1C12BBF0F8F4}"/>
               </a:ext>
             </a:extLst>
           </p:cNvPr>
@@ -34593,16 +34936,14 @@
           <p:nvPr/>
         </p:nvSpPr>
         <p:spPr>
-          <a:xfrm rot="5400000">
-            <a:off x="5687914" y="362082"/>
-            <a:ext cx="1902894" cy="7099337"/>
-          </a:xfrm>
-          <a:prstGeom prst="bentArrow">
+          <a:xfrm>
+            <a:off x="9946078" y="5185844"/>
+            <a:ext cx="256937" cy="828119"/>
+          </a:xfrm>
+          <a:prstGeom prst="downArrow">
             <a:avLst>
-              <a:gd name="adj1" fmla="val 4138"/>
-              <a:gd name="adj2" fmla="val 6966"/>
-              <a:gd name="adj3" fmla="val 9007"/>
-              <a:gd name="adj4" fmla="val 43750"/>
+              <a:gd name="adj1" fmla="val 40801"/>
+              <a:gd name="adj2" fmla="val 57267"/>
             </a:avLst>
           </a:prstGeom>
           <a:solidFill>
@@ -34636,20 +34977,74 @@
           <a:lstStyle/>
           <a:p>
             <a:pPr algn="ctr"/>
-            <a:endParaRPr lang="en-PT">
-              <a:solidFill>
-                <a:schemeClr val="tx1"/>
-              </a:solidFill>
-            </a:endParaRPr>
-          </a:p>
-        </p:txBody>
-      </p:sp>
-      <p:sp>
-        <p:nvSpPr>
-          <p:cNvPr id="115" name="Down Arrow 114">
-            <a:extLst>
-              <a:ext uri="{FF2B5EF4-FFF2-40B4-BE49-F238E27FC236}">
-                <a16:creationId xmlns:a16="http://schemas.microsoft.com/office/drawing/2014/main" id="{7BC5C182-E51F-5343-BD38-99D623F32604}"/>
+            <a:endParaRPr lang="en-PT"/>
+          </a:p>
+        </p:txBody>
+      </p:sp>
+      <p:sp>
+        <p:nvSpPr>
+          <p:cNvPr id="117" name="TextBox 116">
+            <a:extLst>
+              <a:ext uri="{FF2B5EF4-FFF2-40B4-BE49-F238E27FC236}">
+                <a16:creationId xmlns:a16="http://schemas.microsoft.com/office/drawing/2014/main" id="{79F33064-BAA1-7E43-8B1E-A7B716469C41}"/>
+              </a:ext>
+            </a:extLst>
+          </p:cNvPr>
+          <p:cNvSpPr txBox="1"/>
+          <p:nvPr/>
+        </p:nvSpPr>
+        <p:spPr>
+          <a:xfrm>
+            <a:off x="1736847" y="3949499"/>
+            <a:ext cx="1005054" cy="338554"/>
+          </a:xfrm>
+          <a:prstGeom prst="rect">
+            <a:avLst/>
+          </a:prstGeom>
+          <a:noFill/>
+        </p:spPr>
+        <p:txBody>
+          <a:bodyPr wrap="square" rtlCol="0">
+            <a:spAutoFit/>
+          </a:bodyPr>
+          <a:lstStyle/>
+          <a:p>
+            <a:r>
+              <a:rPr lang="en-PT" sz="1600" dirty="0">
+                <a:solidFill>
+                  <a:schemeClr val="bg1"/>
+                </a:solidFill>
+                <a:latin typeface="Avenir Next LT Pro" panose="020B0504020202020204" pitchFamily="34" charset="77"/>
+              </a:rPr>
+              <a:t>[</a:t>
+            </a:r>
+            <a:r>
+              <a:rPr lang="en-PT" sz="1600" b="1" dirty="0">
+                <a:solidFill>
+                  <a:schemeClr val="bg1"/>
+                </a:solidFill>
+                <a:latin typeface="Avenir Next LT Pro" panose="020B0504020202020204" pitchFamily="34" charset="77"/>
+              </a:rPr>
+              <a:t>S</a:t>
+            </a:r>
+            <a:r>
+              <a:rPr lang="en-PT" sz="1600" dirty="0">
+                <a:solidFill>
+                  <a:schemeClr val="bg1"/>
+                </a:solidFill>
+                <a:latin typeface="Avenir Next LT Pro" panose="020B0504020202020204" pitchFamily="34" charset="77"/>
+              </a:rPr>
+              <a:t>PM’22]</a:t>
+            </a:r>
+          </a:p>
+        </p:txBody>
+      </p:sp>
+      <p:sp>
+        <p:nvSpPr>
+          <p:cNvPr id="125" name="Rectangle 124">
+            <a:extLst>
+              <a:ext uri="{FF2B5EF4-FFF2-40B4-BE49-F238E27FC236}">
+                <a16:creationId xmlns:a16="http://schemas.microsoft.com/office/drawing/2014/main" id="{554D9A4D-CB19-1345-9CFD-9220CBA18AA8}"/>
               </a:ext>
             </a:extLst>
           </p:cNvPr>
@@ -34658,21 +35053,458 @@
         </p:nvSpPr>
         <p:spPr>
           <a:xfrm>
-            <a:off x="9584733" y="5191637"/>
-            <a:ext cx="229345" cy="828123"/>
-          </a:xfrm>
-          <a:prstGeom prst="downArrow">
-            <a:avLst>
-              <a:gd name="adj1" fmla="val 40801"/>
-              <a:gd name="adj2" fmla="val 57267"/>
-            </a:avLst>
+            <a:off x="6398526" y="3466817"/>
+            <a:ext cx="1080179" cy="310678"/>
+          </a:xfrm>
+          <a:prstGeom prst="rect">
+            <a:avLst/>
           </a:prstGeom>
           <a:solidFill>
-            <a:srgbClr val="5EA5C7"/>
+            <a:srgbClr val="5E7E47"/>
+          </a:solidFill>
+          <a:ln>
+            <a:solidFill>
+              <a:srgbClr val="5E7E47"/>
+            </a:solidFill>
+            <a:prstDash val="solid"/>
+          </a:ln>
+        </p:spPr>
+        <p:style>
+          <a:lnRef idx="2">
+            <a:schemeClr val="accent2"/>
+          </a:lnRef>
+          <a:fillRef idx="1">
+            <a:schemeClr val="lt1"/>
+          </a:fillRef>
+          <a:effectRef idx="0">
+            <a:schemeClr val="accent2"/>
+          </a:effectRef>
+          <a:fontRef idx="minor">
+            <a:schemeClr val="dk1"/>
+          </a:fontRef>
+        </p:style>
+        <p:txBody>
+          <a:bodyPr rtlCol="0" anchor="ctr"/>
+          <a:lstStyle/>
+          <a:p>
+            <a:pPr algn="ctr"/>
+            <a:endParaRPr lang="en-PT"/>
+          </a:p>
+        </p:txBody>
+      </p:sp>
+      <p:sp>
+        <p:nvSpPr>
+          <p:cNvPr id="126" name="TextBox 125">
+            <a:extLst>
+              <a:ext uri="{FF2B5EF4-FFF2-40B4-BE49-F238E27FC236}">
+                <a16:creationId xmlns:a16="http://schemas.microsoft.com/office/drawing/2014/main" id="{A90D6BA3-9548-4748-B50D-A82DD45BE247}"/>
+              </a:ext>
+            </a:extLst>
+          </p:cNvPr>
+          <p:cNvSpPr txBox="1"/>
+          <p:nvPr/>
+        </p:nvSpPr>
+        <p:spPr>
+          <a:xfrm>
+            <a:off x="6358884" y="3447601"/>
+            <a:ext cx="1159462" cy="338554"/>
+          </a:xfrm>
+          <a:prstGeom prst="rect">
+            <a:avLst/>
+          </a:prstGeom>
+          <a:noFill/>
+        </p:spPr>
+        <p:txBody>
+          <a:bodyPr wrap="square" rtlCol="0">
+            <a:spAutoFit/>
+          </a:bodyPr>
+          <a:lstStyle/>
+          <a:p>
+            <a:r>
+              <a:rPr lang="en-PT" sz="1600" dirty="0">
+                <a:solidFill>
+                  <a:schemeClr val="bg1"/>
+                </a:solidFill>
+                <a:latin typeface="Avenir Next LT Pro" panose="020B0504020202020204" pitchFamily="34" charset="77"/>
+              </a:rPr>
+              <a:t>[</a:t>
+            </a:r>
+            <a:r>
+              <a:rPr lang="en-PT" sz="1600" b="1" dirty="0">
+                <a:solidFill>
+                  <a:schemeClr val="bg1"/>
+                </a:solidFill>
+                <a:latin typeface="Avenir Next LT Pro" panose="020B0504020202020204" pitchFamily="34" charset="77"/>
+              </a:rPr>
+              <a:t>S</a:t>
+            </a:r>
+            <a:r>
+              <a:rPr lang="en-PT" sz="1600" dirty="0">
+                <a:solidFill>
+                  <a:schemeClr val="bg1"/>
+                </a:solidFill>
+                <a:latin typeface="Avenir Next LT Pro" panose="020B0504020202020204" pitchFamily="34" charset="77"/>
+              </a:rPr>
+              <a:t>VM’22]</a:t>
+            </a:r>
+          </a:p>
+        </p:txBody>
+      </p:sp>
+      <p:sp>
+        <p:nvSpPr>
+          <p:cNvPr id="127" name="TextBox 126">
+            <a:extLst>
+              <a:ext uri="{FF2B5EF4-FFF2-40B4-BE49-F238E27FC236}">
+                <a16:creationId xmlns:a16="http://schemas.microsoft.com/office/drawing/2014/main" id="{7B3EC21E-E9F7-6345-ACED-F4C61541C948}"/>
+              </a:ext>
+            </a:extLst>
+          </p:cNvPr>
+          <p:cNvSpPr txBox="1"/>
+          <p:nvPr/>
+        </p:nvSpPr>
+        <p:spPr>
+          <a:xfrm>
+            <a:off x="10093120" y="3690456"/>
+            <a:ext cx="1308755" cy="338554"/>
+          </a:xfrm>
+          <a:prstGeom prst="rect">
+            <a:avLst/>
+          </a:prstGeom>
+          <a:noFill/>
+        </p:spPr>
+        <p:txBody>
+          <a:bodyPr wrap="none" rtlCol="0">
+            <a:spAutoFit/>
+          </a:bodyPr>
+          <a:lstStyle/>
+          <a:p>
+            <a:pPr algn="ctr"/>
+            <a:r>
+              <a:rPr lang="en-PT" sz="1600" dirty="0">
+                <a:solidFill>
+                  <a:srgbClr val="5E7E47"/>
+                </a:solidFill>
+                <a:latin typeface="Avenir Next LT Pro" panose="020B0504020202020204" pitchFamily="34" charset="77"/>
+              </a:rPr>
+              <a:t>QMP-SPDZ*</a:t>
+            </a:r>
+          </a:p>
+        </p:txBody>
+      </p:sp>
+      <p:sp>
+        <p:nvSpPr>
+          <p:cNvPr id="128" name="Rectangle 127">
+            <a:extLst>
+              <a:ext uri="{FF2B5EF4-FFF2-40B4-BE49-F238E27FC236}">
+                <a16:creationId xmlns:a16="http://schemas.microsoft.com/office/drawing/2014/main" id="{DEC68FA4-A19B-EB44-87F4-520DFA581C48}"/>
+              </a:ext>
+            </a:extLst>
+          </p:cNvPr>
+          <p:cNvSpPr/>
+          <p:nvPr/>
+        </p:nvSpPr>
+        <p:spPr>
+          <a:xfrm>
+            <a:off x="9485288" y="6074871"/>
+            <a:ext cx="1080179" cy="310678"/>
+          </a:xfrm>
+          <a:prstGeom prst="rect">
+            <a:avLst/>
+          </a:prstGeom>
+          <a:solidFill>
+            <a:srgbClr val="5E7E47"/>
+          </a:solidFill>
+          <a:ln>
+            <a:solidFill>
+              <a:srgbClr val="5E7E47"/>
+            </a:solidFill>
+            <a:prstDash val="solid"/>
+          </a:ln>
+        </p:spPr>
+        <p:style>
+          <a:lnRef idx="2">
+            <a:schemeClr val="accent2"/>
+          </a:lnRef>
+          <a:fillRef idx="1">
+            <a:schemeClr val="lt1"/>
+          </a:fillRef>
+          <a:effectRef idx="0">
+            <a:schemeClr val="accent2"/>
+          </a:effectRef>
+          <a:fontRef idx="minor">
+            <a:schemeClr val="dk1"/>
+          </a:fontRef>
+        </p:style>
+        <p:txBody>
+          <a:bodyPr rtlCol="0" anchor="ctr"/>
+          <a:lstStyle/>
+          <a:p>
+            <a:pPr algn="ctr"/>
+            <a:endParaRPr lang="en-PT"/>
+          </a:p>
+        </p:txBody>
+      </p:sp>
+      <p:sp>
+        <p:nvSpPr>
+          <p:cNvPr id="129" name="TextBox 128">
+            <a:extLst>
+              <a:ext uri="{FF2B5EF4-FFF2-40B4-BE49-F238E27FC236}">
+                <a16:creationId xmlns:a16="http://schemas.microsoft.com/office/drawing/2014/main" id="{D0AF8D37-BAFD-1149-8040-9FB47086FBB7}"/>
+              </a:ext>
+            </a:extLst>
+          </p:cNvPr>
+          <p:cNvSpPr txBox="1"/>
+          <p:nvPr/>
+        </p:nvSpPr>
+        <p:spPr>
+          <a:xfrm>
+            <a:off x="9445646" y="6055655"/>
+            <a:ext cx="1159462" cy="338554"/>
+          </a:xfrm>
+          <a:prstGeom prst="rect">
+            <a:avLst/>
+          </a:prstGeom>
+          <a:noFill/>
+        </p:spPr>
+        <p:txBody>
+          <a:bodyPr wrap="square" rtlCol="0">
+            <a:spAutoFit/>
+          </a:bodyPr>
+          <a:lstStyle/>
+          <a:p>
+            <a:r>
+              <a:rPr lang="en-PT" sz="1600" dirty="0">
+                <a:solidFill>
+                  <a:schemeClr val="bg1"/>
+                </a:solidFill>
+                <a:latin typeface="Avenir Next LT Pro" panose="020B0504020202020204" pitchFamily="34" charset="77"/>
+              </a:rPr>
+              <a:t>[T</a:t>
+            </a:r>
+            <a:r>
+              <a:rPr lang="en-PT" sz="1600" b="1" dirty="0">
+                <a:solidFill>
+                  <a:schemeClr val="bg1"/>
+                </a:solidFill>
+                <a:latin typeface="Avenir Next LT Pro" panose="020B0504020202020204" pitchFamily="34" charset="77"/>
+              </a:rPr>
+              <a:t>S</a:t>
+            </a:r>
+            <a:r>
+              <a:rPr lang="en-PT" sz="1600" dirty="0">
+                <a:solidFill>
+                  <a:schemeClr val="bg1"/>
+                </a:solidFill>
+                <a:latin typeface="Avenir Next LT Pro" panose="020B0504020202020204" pitchFamily="34" charset="77"/>
+              </a:rPr>
+              <a:t>SP’23]</a:t>
+            </a:r>
+          </a:p>
+        </p:txBody>
+      </p:sp>
+      <p:sp>
+        <p:nvSpPr>
+          <p:cNvPr id="130" name="TextBox 129">
+            <a:extLst>
+              <a:ext uri="{FF2B5EF4-FFF2-40B4-BE49-F238E27FC236}">
+                <a16:creationId xmlns:a16="http://schemas.microsoft.com/office/drawing/2014/main" id="{0EE5F378-B905-BF4F-9B68-F41457382F33}"/>
+              </a:ext>
+            </a:extLst>
+          </p:cNvPr>
+          <p:cNvSpPr txBox="1"/>
+          <p:nvPr/>
+        </p:nvSpPr>
+        <p:spPr>
+          <a:xfrm>
+            <a:off x="4669594" y="3692324"/>
+            <a:ext cx="904669" cy="338554"/>
+          </a:xfrm>
+          <a:prstGeom prst="rect">
+            <a:avLst/>
+          </a:prstGeom>
+          <a:noFill/>
+        </p:spPr>
+        <p:txBody>
+          <a:bodyPr wrap="square" rtlCol="0">
+            <a:spAutoFit/>
+          </a:bodyPr>
+          <a:lstStyle/>
+          <a:p>
+            <a:pPr algn="r"/>
+            <a:r>
+              <a:rPr lang="en-PT" sz="1600" dirty="0">
+                <a:solidFill>
+                  <a:srgbClr val="5EA5C7"/>
+                </a:solidFill>
+                <a:latin typeface="Avenir Next LT Pro" panose="020B0504020202020204" pitchFamily="34" charset="77"/>
+              </a:rPr>
+              <a:t>libscapi</a:t>
+            </a:r>
+          </a:p>
+        </p:txBody>
+      </p:sp>
+      <p:sp>
+        <p:nvSpPr>
+          <p:cNvPr id="131" name="TextBox 130">
+            <a:extLst>
+              <a:ext uri="{FF2B5EF4-FFF2-40B4-BE49-F238E27FC236}">
+                <a16:creationId xmlns:a16="http://schemas.microsoft.com/office/drawing/2014/main" id="{DADDCC06-2722-6142-8D05-D5EFC9297E6E}"/>
+              </a:ext>
+            </a:extLst>
+          </p:cNvPr>
+          <p:cNvSpPr txBox="1"/>
+          <p:nvPr/>
+        </p:nvSpPr>
+        <p:spPr>
+          <a:xfrm>
+            <a:off x="8548325" y="3891047"/>
+            <a:ext cx="1118144" cy="338554"/>
+          </a:xfrm>
+          <a:prstGeom prst="rect">
+            <a:avLst/>
+          </a:prstGeom>
+          <a:noFill/>
+        </p:spPr>
+        <p:txBody>
+          <a:bodyPr wrap="square" rtlCol="0">
+            <a:spAutoFit/>
+          </a:bodyPr>
+          <a:lstStyle/>
+          <a:p>
+            <a:pPr algn="r"/>
+            <a:r>
+              <a:rPr lang="en-PT" sz="1600" dirty="0">
+                <a:solidFill>
+                  <a:srgbClr val="5EA5C7"/>
+                </a:solidFill>
+                <a:latin typeface="Avenir Next LT Pro" panose="020B0504020202020204" pitchFamily="34" charset="77"/>
+              </a:rPr>
+              <a:t>MP-SPDZ</a:t>
+            </a:r>
+          </a:p>
+        </p:txBody>
+      </p:sp>
+      <p:sp>
+        <p:nvSpPr>
+          <p:cNvPr id="132" name="TextBox 131">
+            <a:extLst>
+              <a:ext uri="{FF2B5EF4-FFF2-40B4-BE49-F238E27FC236}">
+                <a16:creationId xmlns:a16="http://schemas.microsoft.com/office/drawing/2014/main" id="{600E316E-2486-B244-A394-5E3617DE655C}"/>
+              </a:ext>
+            </a:extLst>
+          </p:cNvPr>
+          <p:cNvSpPr txBox="1"/>
+          <p:nvPr/>
+        </p:nvSpPr>
+        <p:spPr>
+          <a:xfrm>
+            <a:off x="6138965" y="6515456"/>
+            <a:ext cx="1950919" cy="276999"/>
+          </a:xfrm>
+          <a:prstGeom prst="rect">
+            <a:avLst/>
+          </a:prstGeom>
+          <a:noFill/>
+        </p:spPr>
+        <p:txBody>
+          <a:bodyPr wrap="none" rtlCol="0">
+            <a:spAutoFit/>
+          </a:bodyPr>
+          <a:lstStyle/>
+          <a:p>
+            <a:pPr algn="ctr"/>
+            <a:r>
+              <a:rPr lang="en-PT" sz="1200" dirty="0">
+                <a:solidFill>
+                  <a:srgbClr val="5E7E47"/>
+                </a:solidFill>
+                <a:latin typeface="Avenir Next LT Pro" panose="020B0504020202020204" pitchFamily="34" charset="77"/>
+              </a:rPr>
+              <a:t>* github.com/manel1874</a:t>
+            </a:r>
+          </a:p>
+        </p:txBody>
+      </p:sp>
+      <p:sp>
+        <p:nvSpPr>
+          <p:cNvPr id="133" name="TextBox 132">
+            <a:extLst>
+              <a:ext uri="{FF2B5EF4-FFF2-40B4-BE49-F238E27FC236}">
+                <a16:creationId xmlns:a16="http://schemas.microsoft.com/office/drawing/2014/main" id="{8A198E51-22B0-FD4F-8D07-2A16024826BB}"/>
+              </a:ext>
+            </a:extLst>
+          </p:cNvPr>
+          <p:cNvSpPr txBox="1"/>
+          <p:nvPr/>
+        </p:nvSpPr>
+        <p:spPr>
+          <a:xfrm>
+            <a:off x="4324404" y="6041921"/>
+            <a:ext cx="1728633" cy="584775"/>
+          </a:xfrm>
+          <a:prstGeom prst="rect">
+            <a:avLst/>
+          </a:prstGeom>
+          <a:noFill/>
+        </p:spPr>
+        <p:txBody>
+          <a:bodyPr wrap="square" rtlCol="0">
+            <a:spAutoFit/>
+          </a:bodyPr>
+          <a:lstStyle/>
+          <a:p>
+            <a:pPr algn="r"/>
+            <a:r>
+              <a:rPr lang="en-PT" sz="1600" dirty="0">
+                <a:solidFill>
+                  <a:srgbClr val="5EA5C7"/>
+                </a:solidFill>
+                <a:latin typeface="Avenir Next LT Pro" panose="020B0504020202020204" pitchFamily="34" charset="77"/>
+              </a:rPr>
+              <a:t>Secure auctions</a:t>
+            </a:r>
+          </a:p>
+          <a:p>
+            <a:pPr algn="r"/>
+            <a:r>
+              <a:rPr lang="en-PT" sz="1600" dirty="0">
+                <a:solidFill>
+                  <a:srgbClr val="5EA5C7"/>
+                </a:solidFill>
+                <a:latin typeface="Avenir Next LT Pro" panose="020B0504020202020204" pitchFamily="34" charset="77"/>
+              </a:rPr>
+              <a:t>Secure voting</a:t>
+            </a:r>
+          </a:p>
+        </p:txBody>
+      </p:sp>
+      <p:sp>
+        <p:nvSpPr>
+          <p:cNvPr id="78" name="Rectangle 77">
+            <a:extLst>
+              <a:ext uri="{FF2B5EF4-FFF2-40B4-BE49-F238E27FC236}">
+                <a16:creationId xmlns:a16="http://schemas.microsoft.com/office/drawing/2014/main" id="{D0EF0FF8-AA65-2C46-AE19-8AFED641EB4C}"/>
+              </a:ext>
+            </a:extLst>
+          </p:cNvPr>
+          <p:cNvSpPr/>
+          <p:nvPr/>
+        </p:nvSpPr>
+        <p:spPr>
+          <a:xfrm>
+            <a:off x="255419" y="1360183"/>
+            <a:ext cx="12132091" cy="5432272"/>
+          </a:xfrm>
+          <a:prstGeom prst="rect">
+            <a:avLst/>
+          </a:prstGeom>
+          <a:solidFill>
+            <a:srgbClr val="FFFFFF">
+              <a:alpha val="61569"/>
+            </a:srgbClr>
           </a:solidFill>
           <a:ln>
             <a:noFill/>
-            <a:prstDash val="dash"/>
           </a:ln>
         </p:spPr>
         <p:style>
@@ -34700,12 +35532,42 @@
           </a:p>
         </p:txBody>
       </p:sp>
-      <p:sp>
-        <p:nvSpPr>
-          <p:cNvPr id="116" name="Down Arrow 115">
-            <a:extLst>
-              <a:ext uri="{FF2B5EF4-FFF2-40B4-BE49-F238E27FC236}">
-                <a16:creationId xmlns:a16="http://schemas.microsoft.com/office/drawing/2014/main" id="{1A10211A-686E-1A4D-BE22-1C12BBF0F8F4}"/>
+      <p:pic>
+        <p:nvPicPr>
+          <p:cNvPr id="79" name="Content Placeholder 5" descr="A blue sign with white letters&#10;&#10;Description automatically generated with low confidence">
+            <a:extLst>
+              <a:ext uri="{FF2B5EF4-FFF2-40B4-BE49-F238E27FC236}">
+                <a16:creationId xmlns:a16="http://schemas.microsoft.com/office/drawing/2014/main" id="{F1873EB7-1A38-B347-BDCD-7145AEA1E048}"/>
+              </a:ext>
+            </a:extLst>
+          </p:cNvPr>
+          <p:cNvPicPr>
+            <a:picLocks noChangeAspect="1"/>
+          </p:cNvPicPr>
+          <p:nvPr/>
+        </p:nvPicPr>
+        <p:blipFill>
+          <a:blip r:embed="rId5"/>
+          <a:stretch>
+            <a:fillRect/>
+          </a:stretch>
+        </p:blipFill>
+        <p:spPr>
+          <a:xfrm>
+            <a:off x="11353799" y="5946696"/>
+            <a:ext cx="582782" cy="707260"/>
+          </a:xfrm>
+          <a:prstGeom prst="rect">
+            <a:avLst/>
+          </a:prstGeom>
+        </p:spPr>
+      </p:pic>
+      <p:sp>
+        <p:nvSpPr>
+          <p:cNvPr id="103" name="Bent Arrow 102">
+            <a:extLst>
+              <a:ext uri="{FF2B5EF4-FFF2-40B4-BE49-F238E27FC236}">
+                <a16:creationId xmlns:a16="http://schemas.microsoft.com/office/drawing/2014/main" id="{7060E618-4443-2E4D-B8ED-E619498ADE91}"/>
               </a:ext>
             </a:extLst>
           </p:cNvPr>
@@ -34713,14 +35575,16 @@
           <p:nvPr/>
         </p:nvSpPr>
         <p:spPr>
-          <a:xfrm>
-            <a:off x="9946078" y="5185844"/>
-            <a:ext cx="256937" cy="828119"/>
-          </a:xfrm>
-          <a:prstGeom prst="downArrow">
+          <a:xfrm rot="5400000">
+            <a:off x="1947428" y="3775263"/>
+            <a:ext cx="1979895" cy="358638"/>
+          </a:xfrm>
+          <a:prstGeom prst="bentArrow">
             <a:avLst>
-              <a:gd name="adj1" fmla="val 40801"/>
-              <a:gd name="adj2" fmla="val 57267"/>
+              <a:gd name="adj1" fmla="val 25000"/>
+              <a:gd name="adj2" fmla="val 37964"/>
+              <a:gd name="adj3" fmla="val 50000"/>
+              <a:gd name="adj4" fmla="val 43750"/>
             </a:avLst>
           </a:prstGeom>
           <a:solidFill>
@@ -34754,133 +35618,20 @@
           <a:lstStyle/>
           <a:p>
             <a:pPr algn="ctr"/>
-            <a:endParaRPr lang="en-PT"/>
-          </a:p>
-        </p:txBody>
-      </p:sp>
-      <p:sp>
-        <p:nvSpPr>
-          <p:cNvPr id="117" name="TextBox 116">
-            <a:extLst>
-              <a:ext uri="{FF2B5EF4-FFF2-40B4-BE49-F238E27FC236}">
-                <a16:creationId xmlns:a16="http://schemas.microsoft.com/office/drawing/2014/main" id="{79F33064-BAA1-7E43-8B1E-A7B716469C41}"/>
-              </a:ext>
-            </a:extLst>
-          </p:cNvPr>
-          <p:cNvSpPr txBox="1"/>
-          <p:nvPr/>
-        </p:nvSpPr>
-        <p:spPr>
-          <a:xfrm>
-            <a:off x="1736847" y="3949499"/>
-            <a:ext cx="1005054" cy="338554"/>
-          </a:xfrm>
-          <a:prstGeom prst="rect">
-            <a:avLst/>
-          </a:prstGeom>
-          <a:noFill/>
-        </p:spPr>
-        <p:txBody>
-          <a:bodyPr wrap="square" rtlCol="0">
-            <a:spAutoFit/>
-          </a:bodyPr>
-          <a:lstStyle/>
-          <a:p>
-            <a:r>
-              <a:rPr lang="en-PT" sz="1600" dirty="0">
-                <a:solidFill>
-                  <a:schemeClr val="bg1"/>
-                </a:solidFill>
-                <a:latin typeface="Avenir Next LT Pro" panose="020B0504020202020204" pitchFamily="34" charset="77"/>
-              </a:rPr>
-              <a:t>[</a:t>
-            </a:r>
-            <a:r>
-              <a:rPr lang="en-PT" sz="1600" b="1" dirty="0">
-                <a:solidFill>
-                  <a:schemeClr val="bg1"/>
-                </a:solidFill>
-                <a:latin typeface="Avenir Next LT Pro" panose="020B0504020202020204" pitchFamily="34" charset="77"/>
-              </a:rPr>
-              <a:t>S</a:t>
-            </a:r>
-            <a:r>
-              <a:rPr lang="en-PT" sz="1600" dirty="0">
-                <a:solidFill>
-                  <a:schemeClr val="bg1"/>
-                </a:solidFill>
-                <a:latin typeface="Avenir Next LT Pro" panose="020B0504020202020204" pitchFamily="34" charset="77"/>
-              </a:rPr>
-              <a:t>PM’22]</a:t>
-            </a:r>
-          </a:p>
-        </p:txBody>
-      </p:sp>
-      <p:sp>
-        <p:nvSpPr>
-          <p:cNvPr id="120" name="TextBox 119">
-            <a:extLst>
-              <a:ext uri="{FF2B5EF4-FFF2-40B4-BE49-F238E27FC236}">
-                <a16:creationId xmlns:a16="http://schemas.microsoft.com/office/drawing/2014/main" id="{8A9B7034-E0DA-2443-90BA-215D8269E0B3}"/>
-              </a:ext>
-            </a:extLst>
-          </p:cNvPr>
-          <p:cNvSpPr txBox="1"/>
-          <p:nvPr/>
-        </p:nvSpPr>
-        <p:spPr>
-          <a:xfrm>
-            <a:off x="3010737" y="3692976"/>
-            <a:ext cx="991618" cy="338554"/>
-          </a:xfrm>
-          <a:prstGeom prst="rect">
-            <a:avLst/>
-          </a:prstGeom>
-          <a:noFill/>
-        </p:spPr>
-        <p:txBody>
-          <a:bodyPr wrap="none" rtlCol="0">
-            <a:spAutoFit/>
-          </a:bodyPr>
-          <a:lstStyle/>
-          <a:p>
-            <a:pPr algn="ctr"/>
-            <a:r>
-              <a:rPr lang="en-PT" sz="1600" dirty="0">
-                <a:solidFill>
-                  <a:srgbClr val="5E7E47"/>
-                </a:solidFill>
-                <a:latin typeface="Avenir Next LT Pro" panose="020B0504020202020204" pitchFamily="34" charset="77"/>
-              </a:rPr>
-              <a:t>O</a:t>
-            </a:r>
-            <a:r>
-              <a:rPr lang="en-GB" sz="1600" dirty="0">
-                <a:solidFill>
-                  <a:srgbClr val="5E7E47"/>
-                </a:solidFill>
-                <a:latin typeface="Avenir Next LT Pro" panose="020B0504020202020204" pitchFamily="34" charset="77"/>
-              </a:rPr>
-              <a:t>T</a:t>
-            </a:r>
-            <a:r>
-              <a:rPr lang="en-PT" sz="1600" dirty="0">
-                <a:solidFill>
-                  <a:srgbClr val="5E7E47"/>
-                </a:solidFill>
-                <a:latin typeface="Avenir Next LT Pro" panose="020B0504020202020204" pitchFamily="34" charset="77"/>
-              </a:rPr>
-              <a:t>Keys*</a:t>
-            </a:r>
-          </a:p>
-        </p:txBody>
-      </p:sp>
-      <p:sp>
-        <p:nvSpPr>
-          <p:cNvPr id="121" name="Rectangle 120">
-            <a:extLst>
-              <a:ext uri="{FF2B5EF4-FFF2-40B4-BE49-F238E27FC236}">
-                <a16:creationId xmlns:a16="http://schemas.microsoft.com/office/drawing/2014/main" id="{160A6344-0E0E-2148-845C-03FB19FC1726}"/>
+            <a:endParaRPr lang="en-PT">
+              <a:solidFill>
+                <a:schemeClr val="tx1"/>
+              </a:solidFill>
+            </a:endParaRPr>
+          </a:p>
+        </p:txBody>
+      </p:sp>
+      <p:sp>
+        <p:nvSpPr>
+          <p:cNvPr id="107" name="Down Arrow 106">
+            <a:extLst>
+              <a:ext uri="{FF2B5EF4-FFF2-40B4-BE49-F238E27FC236}">
+                <a16:creationId xmlns:a16="http://schemas.microsoft.com/office/drawing/2014/main" id="{057AE1A5-6AB8-A043-9814-A9CD67ABF216}"/>
               </a:ext>
             </a:extLst>
           </p:cNvPr>
@@ -34889,11 +35640,14 @@
         </p:nvSpPr>
         <p:spPr>
           <a:xfrm>
-            <a:off x="2449209" y="6446478"/>
-            <a:ext cx="1080179" cy="310678"/>
-          </a:xfrm>
-          <a:prstGeom prst="rect">
-            <a:avLst/>
+            <a:off x="2865001" y="5089212"/>
+            <a:ext cx="256937" cy="932818"/>
+          </a:xfrm>
+          <a:prstGeom prst="downArrow">
+            <a:avLst>
+              <a:gd name="adj1" fmla="val 40801"/>
+              <a:gd name="adj2" fmla="val 57267"/>
+            </a:avLst>
           </a:prstGeom>
           <a:solidFill>
             <a:srgbClr val="5E7E47"/>
@@ -34903,666 +35657,6 @@
               <a:srgbClr val="5E7E47"/>
             </a:solidFill>
             <a:prstDash val="solid"/>
-          </a:ln>
-        </p:spPr>
-        <p:style>
-          <a:lnRef idx="2">
-            <a:schemeClr val="accent2"/>
-          </a:lnRef>
-          <a:fillRef idx="1">
-            <a:schemeClr val="lt1"/>
-          </a:fillRef>
-          <a:effectRef idx="0">
-            <a:schemeClr val="accent2"/>
-          </a:effectRef>
-          <a:fontRef idx="minor">
-            <a:schemeClr val="dk1"/>
-          </a:fontRef>
-        </p:style>
-        <p:txBody>
-          <a:bodyPr rtlCol="0" anchor="ctr"/>
-          <a:lstStyle/>
-          <a:p>
-            <a:pPr algn="ctr"/>
-            <a:endParaRPr lang="en-PT"/>
-          </a:p>
-        </p:txBody>
-      </p:sp>
-      <p:sp>
-        <p:nvSpPr>
-          <p:cNvPr id="122" name="TextBox 121">
-            <a:extLst>
-              <a:ext uri="{FF2B5EF4-FFF2-40B4-BE49-F238E27FC236}">
-                <a16:creationId xmlns:a16="http://schemas.microsoft.com/office/drawing/2014/main" id="{D8073896-C4DB-1D4C-893A-A3A1EFB3D701}"/>
-              </a:ext>
-            </a:extLst>
-          </p:cNvPr>
-          <p:cNvSpPr txBox="1"/>
-          <p:nvPr/>
-        </p:nvSpPr>
-        <p:spPr>
-          <a:xfrm>
-            <a:off x="2409567" y="6427262"/>
-            <a:ext cx="1159462" cy="338554"/>
-          </a:xfrm>
-          <a:prstGeom prst="rect">
-            <a:avLst/>
-          </a:prstGeom>
-          <a:noFill/>
-        </p:spPr>
-        <p:txBody>
-          <a:bodyPr wrap="square" rtlCol="0">
-            <a:spAutoFit/>
-          </a:bodyPr>
-          <a:lstStyle/>
-          <a:p>
-            <a:r>
-              <a:rPr lang="en-PT" sz="1600" dirty="0">
-                <a:solidFill>
-                  <a:schemeClr val="bg1"/>
-                </a:solidFill>
-                <a:latin typeface="Avenir Next LT Pro" panose="020B0504020202020204" pitchFamily="34" charset="77"/>
-              </a:rPr>
-              <a:t>[</a:t>
-            </a:r>
-            <a:r>
-              <a:rPr lang="en-PT" sz="1600" b="1" dirty="0">
-                <a:solidFill>
-                  <a:schemeClr val="bg1"/>
-                </a:solidFill>
-                <a:latin typeface="Avenir Next LT Pro" panose="020B0504020202020204" pitchFamily="34" charset="77"/>
-              </a:rPr>
-              <a:t>S</a:t>
-            </a:r>
-            <a:r>
-              <a:rPr lang="en-PT" sz="1600" dirty="0">
-                <a:solidFill>
-                  <a:schemeClr val="bg1"/>
-                </a:solidFill>
-                <a:latin typeface="Avenir Next LT Pro" panose="020B0504020202020204" pitchFamily="34" charset="77"/>
-              </a:rPr>
-              <a:t>CPM’22]</a:t>
-            </a:r>
-          </a:p>
-        </p:txBody>
-      </p:sp>
-      <p:sp>
-        <p:nvSpPr>
-          <p:cNvPr id="123" name="Rectangle 122">
-            <a:extLst>
-              <a:ext uri="{FF2B5EF4-FFF2-40B4-BE49-F238E27FC236}">
-                <a16:creationId xmlns:a16="http://schemas.microsoft.com/office/drawing/2014/main" id="{69E6EF98-06D1-BE4A-B3CE-0596D75A0D33}"/>
-              </a:ext>
-            </a:extLst>
-          </p:cNvPr>
-          <p:cNvSpPr/>
-          <p:nvPr/>
-        </p:nvSpPr>
-        <p:spPr>
-          <a:xfrm>
-            <a:off x="2452502" y="6075060"/>
-            <a:ext cx="1080179" cy="310678"/>
-          </a:xfrm>
-          <a:prstGeom prst="rect">
-            <a:avLst/>
-          </a:prstGeom>
-          <a:solidFill>
-            <a:srgbClr val="5E7E47"/>
-          </a:solidFill>
-          <a:ln>
-            <a:solidFill>
-              <a:srgbClr val="5E7E47"/>
-            </a:solidFill>
-            <a:prstDash val="solid"/>
-          </a:ln>
-        </p:spPr>
-        <p:style>
-          <a:lnRef idx="2">
-            <a:schemeClr val="accent2"/>
-          </a:lnRef>
-          <a:fillRef idx="1">
-            <a:schemeClr val="lt1"/>
-          </a:fillRef>
-          <a:effectRef idx="0">
-            <a:schemeClr val="accent2"/>
-          </a:effectRef>
-          <a:fontRef idx="minor">
-            <a:schemeClr val="dk1"/>
-          </a:fontRef>
-        </p:style>
-        <p:txBody>
-          <a:bodyPr rtlCol="0" anchor="ctr"/>
-          <a:lstStyle/>
-          <a:p>
-            <a:pPr algn="ctr"/>
-            <a:endParaRPr lang="en-PT"/>
-          </a:p>
-        </p:txBody>
-      </p:sp>
-      <p:sp>
-        <p:nvSpPr>
-          <p:cNvPr id="124" name="TextBox 123">
-            <a:extLst>
-              <a:ext uri="{FF2B5EF4-FFF2-40B4-BE49-F238E27FC236}">
-                <a16:creationId xmlns:a16="http://schemas.microsoft.com/office/drawing/2014/main" id="{57ACEBCC-30A7-E64C-821E-5D634C85854C}"/>
-              </a:ext>
-            </a:extLst>
-          </p:cNvPr>
-          <p:cNvSpPr txBox="1"/>
-          <p:nvPr/>
-        </p:nvSpPr>
-        <p:spPr>
-          <a:xfrm>
-            <a:off x="2412860" y="6055844"/>
-            <a:ext cx="1159462" cy="338554"/>
-          </a:xfrm>
-          <a:prstGeom prst="rect">
-            <a:avLst/>
-          </a:prstGeom>
-          <a:noFill/>
-        </p:spPr>
-        <p:txBody>
-          <a:bodyPr wrap="square" rtlCol="0">
-            <a:spAutoFit/>
-          </a:bodyPr>
-          <a:lstStyle/>
-          <a:p>
-            <a:r>
-              <a:rPr lang="en-PT" sz="1600" dirty="0">
-                <a:solidFill>
-                  <a:schemeClr val="bg1"/>
-                </a:solidFill>
-                <a:latin typeface="Avenir Next LT Pro" panose="020B0504020202020204" pitchFamily="34" charset="77"/>
-              </a:rPr>
-              <a:t>[</a:t>
-            </a:r>
-            <a:r>
-              <a:rPr lang="en-PT" sz="1600" b="1" dirty="0">
-                <a:solidFill>
-                  <a:schemeClr val="bg1"/>
-                </a:solidFill>
-                <a:latin typeface="Avenir Next LT Pro" panose="020B0504020202020204" pitchFamily="34" charset="77"/>
-              </a:rPr>
-              <a:t>S</a:t>
-            </a:r>
-            <a:r>
-              <a:rPr lang="en-PT" sz="1600" dirty="0">
-                <a:solidFill>
-                  <a:schemeClr val="bg1"/>
-                </a:solidFill>
-                <a:latin typeface="Avenir Next LT Pro" panose="020B0504020202020204" pitchFamily="34" charset="77"/>
-              </a:rPr>
-              <a:t>CPM’21]</a:t>
-            </a:r>
-          </a:p>
-        </p:txBody>
-      </p:sp>
-      <p:sp>
-        <p:nvSpPr>
-          <p:cNvPr id="125" name="Rectangle 124">
-            <a:extLst>
-              <a:ext uri="{FF2B5EF4-FFF2-40B4-BE49-F238E27FC236}">
-                <a16:creationId xmlns:a16="http://schemas.microsoft.com/office/drawing/2014/main" id="{554D9A4D-CB19-1345-9CFD-9220CBA18AA8}"/>
-              </a:ext>
-            </a:extLst>
-          </p:cNvPr>
-          <p:cNvSpPr/>
-          <p:nvPr/>
-        </p:nvSpPr>
-        <p:spPr>
-          <a:xfrm>
-            <a:off x="6398526" y="3466817"/>
-            <a:ext cx="1080179" cy="310678"/>
-          </a:xfrm>
-          <a:prstGeom prst="rect">
-            <a:avLst/>
-          </a:prstGeom>
-          <a:solidFill>
-            <a:srgbClr val="5E7E47"/>
-          </a:solidFill>
-          <a:ln>
-            <a:solidFill>
-              <a:srgbClr val="5E7E47"/>
-            </a:solidFill>
-            <a:prstDash val="solid"/>
-          </a:ln>
-        </p:spPr>
-        <p:style>
-          <a:lnRef idx="2">
-            <a:schemeClr val="accent2"/>
-          </a:lnRef>
-          <a:fillRef idx="1">
-            <a:schemeClr val="lt1"/>
-          </a:fillRef>
-          <a:effectRef idx="0">
-            <a:schemeClr val="accent2"/>
-          </a:effectRef>
-          <a:fontRef idx="minor">
-            <a:schemeClr val="dk1"/>
-          </a:fontRef>
-        </p:style>
-        <p:txBody>
-          <a:bodyPr rtlCol="0" anchor="ctr"/>
-          <a:lstStyle/>
-          <a:p>
-            <a:pPr algn="ctr"/>
-            <a:endParaRPr lang="en-PT"/>
-          </a:p>
-        </p:txBody>
-      </p:sp>
-      <p:sp>
-        <p:nvSpPr>
-          <p:cNvPr id="126" name="TextBox 125">
-            <a:extLst>
-              <a:ext uri="{FF2B5EF4-FFF2-40B4-BE49-F238E27FC236}">
-                <a16:creationId xmlns:a16="http://schemas.microsoft.com/office/drawing/2014/main" id="{A90D6BA3-9548-4748-B50D-A82DD45BE247}"/>
-              </a:ext>
-            </a:extLst>
-          </p:cNvPr>
-          <p:cNvSpPr txBox="1"/>
-          <p:nvPr/>
-        </p:nvSpPr>
-        <p:spPr>
-          <a:xfrm>
-            <a:off x="6358884" y="3447601"/>
-            <a:ext cx="1159462" cy="338554"/>
-          </a:xfrm>
-          <a:prstGeom prst="rect">
-            <a:avLst/>
-          </a:prstGeom>
-          <a:noFill/>
-        </p:spPr>
-        <p:txBody>
-          <a:bodyPr wrap="square" rtlCol="0">
-            <a:spAutoFit/>
-          </a:bodyPr>
-          <a:lstStyle/>
-          <a:p>
-            <a:r>
-              <a:rPr lang="en-PT" sz="1600" dirty="0">
-                <a:solidFill>
-                  <a:schemeClr val="bg1"/>
-                </a:solidFill>
-                <a:latin typeface="Avenir Next LT Pro" panose="020B0504020202020204" pitchFamily="34" charset="77"/>
-              </a:rPr>
-              <a:t>[</a:t>
-            </a:r>
-            <a:r>
-              <a:rPr lang="en-PT" sz="1600" b="1" dirty="0">
-                <a:solidFill>
-                  <a:schemeClr val="bg1"/>
-                </a:solidFill>
-                <a:latin typeface="Avenir Next LT Pro" panose="020B0504020202020204" pitchFamily="34" charset="77"/>
-              </a:rPr>
-              <a:t>S</a:t>
-            </a:r>
-            <a:r>
-              <a:rPr lang="en-PT" sz="1600" dirty="0">
-                <a:solidFill>
-                  <a:schemeClr val="bg1"/>
-                </a:solidFill>
-                <a:latin typeface="Avenir Next LT Pro" panose="020B0504020202020204" pitchFamily="34" charset="77"/>
-              </a:rPr>
-              <a:t>VM’22]</a:t>
-            </a:r>
-          </a:p>
-        </p:txBody>
-      </p:sp>
-      <p:sp>
-        <p:nvSpPr>
-          <p:cNvPr id="127" name="TextBox 126">
-            <a:extLst>
-              <a:ext uri="{FF2B5EF4-FFF2-40B4-BE49-F238E27FC236}">
-                <a16:creationId xmlns:a16="http://schemas.microsoft.com/office/drawing/2014/main" id="{7B3EC21E-E9F7-6345-ACED-F4C61541C948}"/>
-              </a:ext>
-            </a:extLst>
-          </p:cNvPr>
-          <p:cNvSpPr txBox="1"/>
-          <p:nvPr/>
-        </p:nvSpPr>
-        <p:spPr>
-          <a:xfrm>
-            <a:off x="10093120" y="3690456"/>
-            <a:ext cx="1308755" cy="338554"/>
-          </a:xfrm>
-          <a:prstGeom prst="rect">
-            <a:avLst/>
-          </a:prstGeom>
-          <a:noFill/>
-        </p:spPr>
-        <p:txBody>
-          <a:bodyPr wrap="none" rtlCol="0">
-            <a:spAutoFit/>
-          </a:bodyPr>
-          <a:lstStyle/>
-          <a:p>
-            <a:pPr algn="ctr"/>
-            <a:r>
-              <a:rPr lang="en-PT" sz="1600" dirty="0">
-                <a:solidFill>
-                  <a:srgbClr val="5E7E47"/>
-                </a:solidFill>
-                <a:latin typeface="Avenir Next LT Pro" panose="020B0504020202020204" pitchFamily="34" charset="77"/>
-              </a:rPr>
-              <a:t>QMP-SPDZ*</a:t>
-            </a:r>
-          </a:p>
-        </p:txBody>
-      </p:sp>
-      <p:sp>
-        <p:nvSpPr>
-          <p:cNvPr id="128" name="Rectangle 127">
-            <a:extLst>
-              <a:ext uri="{FF2B5EF4-FFF2-40B4-BE49-F238E27FC236}">
-                <a16:creationId xmlns:a16="http://schemas.microsoft.com/office/drawing/2014/main" id="{DEC68FA4-A19B-EB44-87F4-520DFA581C48}"/>
-              </a:ext>
-            </a:extLst>
-          </p:cNvPr>
-          <p:cNvSpPr/>
-          <p:nvPr/>
-        </p:nvSpPr>
-        <p:spPr>
-          <a:xfrm>
-            <a:off x="9485288" y="6074871"/>
-            <a:ext cx="1080179" cy="310678"/>
-          </a:xfrm>
-          <a:prstGeom prst="rect">
-            <a:avLst/>
-          </a:prstGeom>
-          <a:solidFill>
-            <a:srgbClr val="5E7E47"/>
-          </a:solidFill>
-          <a:ln>
-            <a:solidFill>
-              <a:srgbClr val="5E7E47"/>
-            </a:solidFill>
-            <a:prstDash val="solid"/>
-          </a:ln>
-        </p:spPr>
-        <p:style>
-          <a:lnRef idx="2">
-            <a:schemeClr val="accent2"/>
-          </a:lnRef>
-          <a:fillRef idx="1">
-            <a:schemeClr val="lt1"/>
-          </a:fillRef>
-          <a:effectRef idx="0">
-            <a:schemeClr val="accent2"/>
-          </a:effectRef>
-          <a:fontRef idx="minor">
-            <a:schemeClr val="dk1"/>
-          </a:fontRef>
-        </p:style>
-        <p:txBody>
-          <a:bodyPr rtlCol="0" anchor="ctr"/>
-          <a:lstStyle/>
-          <a:p>
-            <a:pPr algn="ctr"/>
-            <a:endParaRPr lang="en-PT"/>
-          </a:p>
-        </p:txBody>
-      </p:sp>
-      <p:sp>
-        <p:nvSpPr>
-          <p:cNvPr id="129" name="TextBox 128">
-            <a:extLst>
-              <a:ext uri="{FF2B5EF4-FFF2-40B4-BE49-F238E27FC236}">
-                <a16:creationId xmlns:a16="http://schemas.microsoft.com/office/drawing/2014/main" id="{D0AF8D37-BAFD-1149-8040-9FB47086FBB7}"/>
-              </a:ext>
-            </a:extLst>
-          </p:cNvPr>
-          <p:cNvSpPr txBox="1"/>
-          <p:nvPr/>
-        </p:nvSpPr>
-        <p:spPr>
-          <a:xfrm>
-            <a:off x="9445646" y="6055655"/>
-            <a:ext cx="1159462" cy="338554"/>
-          </a:xfrm>
-          <a:prstGeom prst="rect">
-            <a:avLst/>
-          </a:prstGeom>
-          <a:noFill/>
-        </p:spPr>
-        <p:txBody>
-          <a:bodyPr wrap="square" rtlCol="0">
-            <a:spAutoFit/>
-          </a:bodyPr>
-          <a:lstStyle/>
-          <a:p>
-            <a:r>
-              <a:rPr lang="en-PT" sz="1600" dirty="0">
-                <a:solidFill>
-                  <a:schemeClr val="bg1"/>
-                </a:solidFill>
-                <a:latin typeface="Avenir Next LT Pro" panose="020B0504020202020204" pitchFamily="34" charset="77"/>
-              </a:rPr>
-              <a:t>[T</a:t>
-            </a:r>
-            <a:r>
-              <a:rPr lang="en-PT" sz="1600" b="1" dirty="0">
-                <a:solidFill>
-                  <a:schemeClr val="bg1"/>
-                </a:solidFill>
-                <a:latin typeface="Avenir Next LT Pro" panose="020B0504020202020204" pitchFamily="34" charset="77"/>
-              </a:rPr>
-              <a:t>S</a:t>
-            </a:r>
-            <a:r>
-              <a:rPr lang="en-PT" sz="1600" dirty="0">
-                <a:solidFill>
-                  <a:schemeClr val="bg1"/>
-                </a:solidFill>
-                <a:latin typeface="Avenir Next LT Pro" panose="020B0504020202020204" pitchFamily="34" charset="77"/>
-              </a:rPr>
-              <a:t>SP’23]</a:t>
-            </a:r>
-          </a:p>
-        </p:txBody>
-      </p:sp>
-      <p:sp>
-        <p:nvSpPr>
-          <p:cNvPr id="130" name="TextBox 129">
-            <a:extLst>
-              <a:ext uri="{FF2B5EF4-FFF2-40B4-BE49-F238E27FC236}">
-                <a16:creationId xmlns:a16="http://schemas.microsoft.com/office/drawing/2014/main" id="{0EE5F378-B905-BF4F-9B68-F41457382F33}"/>
-              </a:ext>
-            </a:extLst>
-          </p:cNvPr>
-          <p:cNvSpPr txBox="1"/>
-          <p:nvPr/>
-        </p:nvSpPr>
-        <p:spPr>
-          <a:xfrm>
-            <a:off x="4669594" y="3692324"/>
-            <a:ext cx="904669" cy="338554"/>
-          </a:xfrm>
-          <a:prstGeom prst="rect">
-            <a:avLst/>
-          </a:prstGeom>
-          <a:noFill/>
-        </p:spPr>
-        <p:txBody>
-          <a:bodyPr wrap="square" rtlCol="0">
-            <a:spAutoFit/>
-          </a:bodyPr>
-          <a:lstStyle/>
-          <a:p>
-            <a:pPr algn="r"/>
-            <a:r>
-              <a:rPr lang="en-PT" sz="1600" dirty="0">
-                <a:solidFill>
-                  <a:srgbClr val="5EA5C7"/>
-                </a:solidFill>
-                <a:latin typeface="Avenir Next LT Pro" panose="020B0504020202020204" pitchFamily="34" charset="77"/>
-              </a:rPr>
-              <a:t>libscapi</a:t>
-            </a:r>
-          </a:p>
-        </p:txBody>
-      </p:sp>
-      <p:sp>
-        <p:nvSpPr>
-          <p:cNvPr id="131" name="TextBox 130">
-            <a:extLst>
-              <a:ext uri="{FF2B5EF4-FFF2-40B4-BE49-F238E27FC236}">
-                <a16:creationId xmlns:a16="http://schemas.microsoft.com/office/drawing/2014/main" id="{DADDCC06-2722-6142-8D05-D5EFC9297E6E}"/>
-              </a:ext>
-            </a:extLst>
-          </p:cNvPr>
-          <p:cNvSpPr txBox="1"/>
-          <p:nvPr/>
-        </p:nvSpPr>
-        <p:spPr>
-          <a:xfrm>
-            <a:off x="8548325" y="3891047"/>
-            <a:ext cx="1118144" cy="338554"/>
-          </a:xfrm>
-          <a:prstGeom prst="rect">
-            <a:avLst/>
-          </a:prstGeom>
-          <a:noFill/>
-        </p:spPr>
-        <p:txBody>
-          <a:bodyPr wrap="square" rtlCol="0">
-            <a:spAutoFit/>
-          </a:bodyPr>
-          <a:lstStyle/>
-          <a:p>
-            <a:pPr algn="r"/>
-            <a:r>
-              <a:rPr lang="en-PT" sz="1600" dirty="0">
-                <a:solidFill>
-                  <a:srgbClr val="5EA5C7"/>
-                </a:solidFill>
-                <a:latin typeface="Avenir Next LT Pro" panose="020B0504020202020204" pitchFamily="34" charset="77"/>
-              </a:rPr>
-              <a:t>MP-SPDZ</a:t>
-            </a:r>
-          </a:p>
-        </p:txBody>
-      </p:sp>
-      <p:sp>
-        <p:nvSpPr>
-          <p:cNvPr id="132" name="TextBox 131">
-            <a:extLst>
-              <a:ext uri="{FF2B5EF4-FFF2-40B4-BE49-F238E27FC236}">
-                <a16:creationId xmlns:a16="http://schemas.microsoft.com/office/drawing/2014/main" id="{600E316E-2486-B244-A394-5E3617DE655C}"/>
-              </a:ext>
-            </a:extLst>
-          </p:cNvPr>
-          <p:cNvSpPr txBox="1"/>
-          <p:nvPr/>
-        </p:nvSpPr>
-        <p:spPr>
-          <a:xfrm>
-            <a:off x="6138965" y="6515456"/>
-            <a:ext cx="1950919" cy="276999"/>
-          </a:xfrm>
-          <a:prstGeom prst="rect">
-            <a:avLst/>
-          </a:prstGeom>
-          <a:noFill/>
-        </p:spPr>
-        <p:txBody>
-          <a:bodyPr wrap="none" rtlCol="0">
-            <a:spAutoFit/>
-          </a:bodyPr>
-          <a:lstStyle/>
-          <a:p>
-            <a:pPr algn="ctr"/>
-            <a:r>
-              <a:rPr lang="en-PT" sz="1200" dirty="0">
-                <a:solidFill>
-                  <a:srgbClr val="5E7E47"/>
-                </a:solidFill>
-                <a:latin typeface="Avenir Next LT Pro" panose="020B0504020202020204" pitchFamily="34" charset="77"/>
-              </a:rPr>
-              <a:t>* github.com/manel1874</a:t>
-            </a:r>
-          </a:p>
-        </p:txBody>
-      </p:sp>
-      <p:sp>
-        <p:nvSpPr>
-          <p:cNvPr id="133" name="TextBox 132">
-            <a:extLst>
-              <a:ext uri="{FF2B5EF4-FFF2-40B4-BE49-F238E27FC236}">
-                <a16:creationId xmlns:a16="http://schemas.microsoft.com/office/drawing/2014/main" id="{8A198E51-22B0-FD4F-8D07-2A16024826BB}"/>
-              </a:ext>
-            </a:extLst>
-          </p:cNvPr>
-          <p:cNvSpPr txBox="1"/>
-          <p:nvPr/>
-        </p:nvSpPr>
-        <p:spPr>
-          <a:xfrm>
-            <a:off x="4324404" y="6041921"/>
-            <a:ext cx="1728633" cy="584775"/>
-          </a:xfrm>
-          <a:prstGeom prst="rect">
-            <a:avLst/>
-          </a:prstGeom>
-          <a:noFill/>
-        </p:spPr>
-        <p:txBody>
-          <a:bodyPr wrap="square" rtlCol="0">
-            <a:spAutoFit/>
-          </a:bodyPr>
-          <a:lstStyle/>
-          <a:p>
-            <a:pPr algn="r"/>
-            <a:r>
-              <a:rPr lang="en-PT" sz="1600" dirty="0">
-                <a:solidFill>
-                  <a:srgbClr val="5EA5C7"/>
-                </a:solidFill>
-                <a:latin typeface="Avenir Next LT Pro" panose="020B0504020202020204" pitchFamily="34" charset="77"/>
-              </a:rPr>
-              <a:t>Secure auctions</a:t>
-            </a:r>
-          </a:p>
-          <a:p>
-            <a:pPr algn="r"/>
-            <a:r>
-              <a:rPr lang="en-PT" sz="1600" dirty="0">
-                <a:solidFill>
-                  <a:srgbClr val="5EA5C7"/>
-                </a:solidFill>
-                <a:latin typeface="Avenir Next LT Pro" panose="020B0504020202020204" pitchFamily="34" charset="77"/>
-              </a:rPr>
-              <a:t>Secure voting</a:t>
-            </a:r>
-          </a:p>
-        </p:txBody>
-      </p:sp>
-      <p:sp>
-        <p:nvSpPr>
-          <p:cNvPr id="78" name="Rectangle 77">
-            <a:extLst>
-              <a:ext uri="{FF2B5EF4-FFF2-40B4-BE49-F238E27FC236}">
-                <a16:creationId xmlns:a16="http://schemas.microsoft.com/office/drawing/2014/main" id="{D0EF0FF8-AA65-2C46-AE19-8AFED641EB4C}"/>
-              </a:ext>
-            </a:extLst>
-          </p:cNvPr>
-          <p:cNvSpPr/>
-          <p:nvPr/>
-        </p:nvSpPr>
-        <p:spPr>
-          <a:xfrm>
-            <a:off x="109695" y="1360183"/>
-            <a:ext cx="12277815" cy="5432272"/>
-          </a:xfrm>
-          <a:prstGeom prst="rect">
-            <a:avLst/>
-          </a:prstGeom>
-          <a:solidFill>
-            <a:srgbClr val="FFFFFF">
-              <a:alpha val="61569"/>
-            </a:srgbClr>
-          </a:solidFill>
-          <a:ln>
-            <a:noFill/>
           </a:ln>
         </p:spPr>
         <p:style>
@@ -35592,10 +35686,10 @@
       </p:sp>
       <p:sp>
         <p:nvSpPr>
-          <p:cNvPr id="118" name="Circular Arrow 117">
-            <a:extLst>
-              <a:ext uri="{FF2B5EF4-FFF2-40B4-BE49-F238E27FC236}">
-                <a16:creationId xmlns:a16="http://schemas.microsoft.com/office/drawing/2014/main" id="{B0328F6B-A814-F149-A774-2FF69A96BBA7}"/>
+          <p:cNvPr id="121" name="Rectangle 120">
+            <a:extLst>
+              <a:ext uri="{FF2B5EF4-FFF2-40B4-BE49-F238E27FC236}">
+                <a16:creationId xmlns:a16="http://schemas.microsoft.com/office/drawing/2014/main" id="{160A6344-0E0E-2148-845C-03FB19FC1726}"/>
               </a:ext>
             </a:extLst>
           </p:cNvPr>
@@ -35604,17 +35698,11 @@
         </p:nvSpPr>
         <p:spPr>
           <a:xfrm>
-            <a:off x="2992591" y="1475855"/>
-            <a:ext cx="1787226" cy="1726156"/>
-          </a:xfrm>
-          <a:prstGeom prst="circularArrow">
-            <a:avLst>
-              <a:gd name="adj1" fmla="val 6535"/>
-              <a:gd name="adj2" fmla="val 1034925"/>
-              <a:gd name="adj3" fmla="val 20457680"/>
-              <a:gd name="adj4" fmla="val 10800000"/>
-              <a:gd name="adj5" fmla="val 12500"/>
-            </a:avLst>
+            <a:off x="2449209" y="6446478"/>
+            <a:ext cx="1080179" cy="310678"/>
+          </a:xfrm>
+          <a:prstGeom prst="rect">
+            <a:avLst/>
           </a:prstGeom>
           <a:solidFill>
             <a:srgbClr val="5E7E47"/>
@@ -35628,18 +35716,16 @@
         </p:spPr>
         <p:style>
           <a:lnRef idx="2">
-            <a:schemeClr val="accent1">
-              <a:shade val="50000"/>
-            </a:schemeClr>
+            <a:schemeClr val="accent2"/>
           </a:lnRef>
           <a:fillRef idx="1">
-            <a:schemeClr val="accent1"/>
+            <a:schemeClr val="lt1"/>
           </a:fillRef>
           <a:effectRef idx="0">
-            <a:schemeClr val="accent1"/>
+            <a:schemeClr val="accent2"/>
           </a:effectRef>
           <a:fontRef idx="minor">
-            <a:schemeClr val="lt1"/>
+            <a:schemeClr val="dk1"/>
           </a:fontRef>
         </p:style>
         <p:txBody>
@@ -35647,20 +35733,16 @@
           <a:lstStyle/>
           <a:p>
             <a:pPr algn="ctr"/>
-            <a:endParaRPr lang="en-PT">
-              <a:solidFill>
-                <a:schemeClr val="tx1"/>
-              </a:solidFill>
-            </a:endParaRPr>
-          </a:p>
-        </p:txBody>
-      </p:sp>
-      <p:sp>
-        <p:nvSpPr>
-          <p:cNvPr id="119" name="TextBox 118">
-            <a:extLst>
-              <a:ext uri="{FF2B5EF4-FFF2-40B4-BE49-F238E27FC236}">
-                <a16:creationId xmlns:a16="http://schemas.microsoft.com/office/drawing/2014/main" id="{600F9D7E-2005-F24A-BF0F-BD21F0ACC760}"/>
+            <a:endParaRPr lang="en-PT"/>
+          </a:p>
+        </p:txBody>
+      </p:sp>
+      <p:sp>
+        <p:nvSpPr>
+          <p:cNvPr id="122" name="TextBox 121">
+            <a:extLst>
+              <a:ext uri="{FF2B5EF4-FFF2-40B4-BE49-F238E27FC236}">
+                <a16:creationId xmlns:a16="http://schemas.microsoft.com/office/drawing/2014/main" id="{D8073896-C4DB-1D4C-893A-A3A1EFB3D701}"/>
               </a:ext>
             </a:extLst>
           </p:cNvPr>
@@ -35669,8 +35751,177 @@
         </p:nvSpPr>
         <p:spPr>
           <a:xfrm>
-            <a:off x="3423719" y="1894635"/>
-            <a:ext cx="888384" cy="338554"/>
+            <a:off x="2420271" y="6418602"/>
+            <a:ext cx="1159462" cy="338554"/>
+          </a:xfrm>
+          <a:prstGeom prst="rect">
+            <a:avLst/>
+          </a:prstGeom>
+          <a:noFill/>
+        </p:spPr>
+        <p:txBody>
+          <a:bodyPr wrap="square" rtlCol="0">
+            <a:spAutoFit/>
+          </a:bodyPr>
+          <a:lstStyle/>
+          <a:p>
+            <a:r>
+              <a:rPr lang="en-PT" sz="1600" dirty="0">
+                <a:solidFill>
+                  <a:schemeClr val="bg1"/>
+                </a:solidFill>
+                <a:latin typeface="Avenir Next LT Pro" panose="020B0504020202020204" pitchFamily="34" charset="77"/>
+              </a:rPr>
+              <a:t>[</a:t>
+            </a:r>
+            <a:r>
+              <a:rPr lang="en-PT" sz="1600" b="1" dirty="0">
+                <a:solidFill>
+                  <a:schemeClr val="bg1"/>
+                </a:solidFill>
+                <a:latin typeface="Avenir Next LT Pro" panose="020B0504020202020204" pitchFamily="34" charset="77"/>
+              </a:rPr>
+              <a:t>S</a:t>
+            </a:r>
+            <a:r>
+              <a:rPr lang="en-PT" sz="1600" dirty="0">
+                <a:solidFill>
+                  <a:schemeClr val="bg1"/>
+                </a:solidFill>
+                <a:latin typeface="Avenir Next LT Pro" panose="020B0504020202020204" pitchFamily="34" charset="77"/>
+              </a:rPr>
+              <a:t>CPM’22]</a:t>
+            </a:r>
+          </a:p>
+        </p:txBody>
+      </p:sp>
+      <p:sp>
+        <p:nvSpPr>
+          <p:cNvPr id="123" name="Rectangle 122">
+            <a:extLst>
+              <a:ext uri="{FF2B5EF4-FFF2-40B4-BE49-F238E27FC236}">
+                <a16:creationId xmlns:a16="http://schemas.microsoft.com/office/drawing/2014/main" id="{69E6EF98-06D1-BE4A-B3CE-0596D75A0D33}"/>
+              </a:ext>
+            </a:extLst>
+          </p:cNvPr>
+          <p:cNvSpPr/>
+          <p:nvPr/>
+        </p:nvSpPr>
+        <p:spPr>
+          <a:xfrm>
+            <a:off x="2452502" y="6075060"/>
+            <a:ext cx="1080179" cy="310678"/>
+          </a:xfrm>
+          <a:prstGeom prst="rect">
+            <a:avLst/>
+          </a:prstGeom>
+          <a:solidFill>
+            <a:srgbClr val="5E7E47"/>
+          </a:solidFill>
+          <a:ln>
+            <a:solidFill>
+              <a:srgbClr val="5E7E47"/>
+            </a:solidFill>
+            <a:prstDash val="solid"/>
+          </a:ln>
+        </p:spPr>
+        <p:style>
+          <a:lnRef idx="2">
+            <a:schemeClr val="accent2"/>
+          </a:lnRef>
+          <a:fillRef idx="1">
+            <a:schemeClr val="lt1"/>
+          </a:fillRef>
+          <a:effectRef idx="0">
+            <a:schemeClr val="accent2"/>
+          </a:effectRef>
+          <a:fontRef idx="minor">
+            <a:schemeClr val="dk1"/>
+          </a:fontRef>
+        </p:style>
+        <p:txBody>
+          <a:bodyPr rtlCol="0" anchor="ctr"/>
+          <a:lstStyle/>
+          <a:p>
+            <a:pPr algn="ctr"/>
+            <a:endParaRPr lang="en-PT"/>
+          </a:p>
+        </p:txBody>
+      </p:sp>
+      <p:sp>
+        <p:nvSpPr>
+          <p:cNvPr id="124" name="TextBox 123">
+            <a:extLst>
+              <a:ext uri="{FF2B5EF4-FFF2-40B4-BE49-F238E27FC236}">
+                <a16:creationId xmlns:a16="http://schemas.microsoft.com/office/drawing/2014/main" id="{57ACEBCC-30A7-E64C-821E-5D634C85854C}"/>
+              </a:ext>
+            </a:extLst>
+          </p:cNvPr>
+          <p:cNvSpPr txBox="1"/>
+          <p:nvPr/>
+        </p:nvSpPr>
+        <p:spPr>
+          <a:xfrm>
+            <a:off x="2420271" y="6050185"/>
+            <a:ext cx="1159462" cy="338554"/>
+          </a:xfrm>
+          <a:prstGeom prst="rect">
+            <a:avLst/>
+          </a:prstGeom>
+          <a:noFill/>
+        </p:spPr>
+        <p:txBody>
+          <a:bodyPr wrap="square" rtlCol="0">
+            <a:spAutoFit/>
+          </a:bodyPr>
+          <a:lstStyle/>
+          <a:p>
+            <a:r>
+              <a:rPr lang="en-PT" sz="1600" dirty="0">
+                <a:solidFill>
+                  <a:schemeClr val="bg1"/>
+                </a:solidFill>
+                <a:latin typeface="Avenir Next LT Pro" panose="020B0504020202020204" pitchFamily="34" charset="77"/>
+              </a:rPr>
+              <a:t>[</a:t>
+            </a:r>
+            <a:r>
+              <a:rPr lang="en-PT" sz="1600" b="1" dirty="0">
+                <a:solidFill>
+                  <a:schemeClr val="bg1"/>
+                </a:solidFill>
+                <a:latin typeface="Avenir Next LT Pro" panose="020B0504020202020204" pitchFamily="34" charset="77"/>
+              </a:rPr>
+              <a:t>S</a:t>
+            </a:r>
+            <a:r>
+              <a:rPr lang="en-PT" sz="1600" dirty="0">
+                <a:solidFill>
+                  <a:schemeClr val="bg1"/>
+                </a:solidFill>
+                <a:latin typeface="Avenir Next LT Pro" panose="020B0504020202020204" pitchFamily="34" charset="77"/>
+              </a:rPr>
+              <a:t>CPM’21]</a:t>
+            </a:r>
+          </a:p>
+        </p:txBody>
+      </p:sp>
+      <p:sp>
+        <p:nvSpPr>
+          <p:cNvPr id="120" name="TextBox 119">
+            <a:extLst>
+              <a:ext uri="{FF2B5EF4-FFF2-40B4-BE49-F238E27FC236}">
+                <a16:creationId xmlns:a16="http://schemas.microsoft.com/office/drawing/2014/main" id="{8A9B7034-E0DA-2443-90BA-215D8269E0B3}"/>
+              </a:ext>
+            </a:extLst>
+          </p:cNvPr>
+          <p:cNvSpPr txBox="1"/>
+          <p:nvPr/>
+        </p:nvSpPr>
+        <p:spPr>
+          <a:xfrm>
+            <a:off x="3010737" y="3692976"/>
+            <a:ext cx="991618" cy="338554"/>
           </a:xfrm>
           <a:prstGeom prst="rect">
             <a:avLst/>
@@ -35685,13 +35936,22 @@
           <a:p>
             <a:pPr algn="ctr"/>
             <a:r>
-              <a:rPr lang="en-PT" sz="1600" b="1" dirty="0">
+              <a:rPr lang="en-PT" sz="1600" dirty="0">
                 <a:solidFill>
                   <a:srgbClr val="5E7E47"/>
                 </a:solidFill>
                 <a:latin typeface="Avenir Next LT Pro" panose="020B0504020202020204" pitchFamily="34" charset="77"/>
               </a:rPr>
-              <a:t>S</a:t>
+              <a:t>O</a:t>
+            </a:r>
+            <a:r>
+              <a:rPr lang="en-GB" sz="1600" dirty="0">
+                <a:solidFill>
+                  <a:srgbClr val="5E7E47"/>
+                </a:solidFill>
+                <a:latin typeface="Avenir Next LT Pro" panose="020B0504020202020204" pitchFamily="34" charset="77"/>
+              </a:rPr>
+              <a:t>T</a:t>
             </a:r>
             <a:r>
               <a:rPr lang="en-PT" sz="1600" dirty="0">
@@ -35700,17 +35960,82 @@
                 </a:solidFill>
                 <a:latin typeface="Avenir Next LT Pro" panose="020B0504020202020204" pitchFamily="34" charset="77"/>
               </a:rPr>
-              <a:t>PM’21</a:t>
+              <a:t>Keys*</a:t>
+            </a:r>
+          </a:p>
+        </p:txBody>
+      </p:sp>
+    </p:spTree>
+    <p:extLst>
+      <p:ext uri="{BB962C8B-B14F-4D97-AF65-F5344CB8AC3E}">
+        <p14:creationId xmlns:p14="http://schemas.microsoft.com/office/powerpoint/2010/main" val="3589168199"/>
+      </p:ext>
+    </p:extLst>
+  </p:cSld>
+  <p:clrMapOvr>
+    <a:masterClrMapping/>
+  </p:clrMapOvr>
+</p:sld>
+</file>
+
+<file path=ppt/slides/slide25.xml><?xml version="1.0" encoding="utf-8"?>
+<p:sld xmlns:a="http://schemas.openxmlformats.org/drawingml/2006/main" xmlns:r="http://schemas.openxmlformats.org/officeDocument/2006/relationships" xmlns:p="http://schemas.openxmlformats.org/presentationml/2006/main">
+  <p:cSld>
+    <p:spTree>
+      <p:nvGrpSpPr>
+        <p:cNvPr id="1" name=""/>
+        <p:cNvGrpSpPr/>
+        <p:nvPr/>
+      </p:nvGrpSpPr>
+      <p:grpSpPr>
+        <a:xfrm>
+          <a:off x="0" y="0"/>
+          <a:ext cx="0" cy="0"/>
+          <a:chOff x="0" y="0"/>
+          <a:chExt cx="0" cy="0"/>
+        </a:xfrm>
+      </p:grpSpPr>
+      <p:sp>
+        <p:nvSpPr>
+          <p:cNvPr id="2" name="Title 1">
+            <a:extLst>
+              <a:ext uri="{FF2B5EF4-FFF2-40B4-BE49-F238E27FC236}">
+                <a16:creationId xmlns:a16="http://schemas.microsoft.com/office/drawing/2014/main" id="{DB05AB58-1DC5-AB44-8CC9-9791D339E325}"/>
+              </a:ext>
+            </a:extLst>
+          </p:cNvPr>
+          <p:cNvSpPr>
+            <a:spLocks noGrp="1"/>
+          </p:cNvSpPr>
+          <p:nvPr>
+            <p:ph type="title"/>
+          </p:nvPr>
+        </p:nvSpPr>
+        <p:spPr>
+          <a:xfrm>
+            <a:off x="838200" y="365125"/>
+            <a:ext cx="10515600" cy="1325563"/>
+          </a:xfrm>
+        </p:spPr>
+        <p:txBody>
+          <a:bodyPr/>
+          <a:lstStyle/>
+          <a:p>
+            <a:r>
+              <a:rPr lang="en-PT" dirty="0">
+                <a:latin typeface="Avenir Next LT Pro" panose="020B0504020202020204" pitchFamily="34" charset="77"/>
+              </a:rPr>
+              <a:t>Private phylogenetic trees</a:t>
             </a:r>
           </a:p>
         </p:txBody>
       </p:sp>
       <p:pic>
         <p:nvPicPr>
-          <p:cNvPr id="79" name="Content Placeholder 5" descr="A blue sign with white letters&#10;&#10;Description automatically generated with low confidence">
-            <a:extLst>
-              <a:ext uri="{FF2B5EF4-FFF2-40B4-BE49-F238E27FC236}">
-                <a16:creationId xmlns:a16="http://schemas.microsoft.com/office/drawing/2014/main" id="{F1873EB7-1A38-B347-BDCD-7145AEA1E048}"/>
+          <p:cNvPr id="59" name="Content Placeholder 5" descr="A blue sign with white letters&#10;&#10;Description automatically generated with low confidence">
+            <a:extLst>
+              <a:ext uri="{FF2B5EF4-FFF2-40B4-BE49-F238E27FC236}">
+                <a16:creationId xmlns:a16="http://schemas.microsoft.com/office/drawing/2014/main" id="{0DC49A94-533B-844C-BCEA-6CF84EE6AB4B}"/>
               </a:ext>
             </a:extLst>
           </p:cNvPr>
@@ -35720,7 +36045,7 @@
           <p:nvPr/>
         </p:nvPicPr>
         <p:blipFill>
-          <a:blip r:embed="rId5"/>
+          <a:blip r:embed="rId3"/>
           <a:stretch>
             <a:fillRect/>
           </a:stretch>
@@ -35735,10 +36060,513 @@
           </a:prstGeom>
         </p:spPr>
       </p:pic>
+      <p:pic>
+        <p:nvPicPr>
+          <p:cNvPr id="62" name="Picture 61" descr="A picture containing diagram&#10;&#10;Description automatically generated">
+            <a:extLst>
+              <a:ext uri="{FF2B5EF4-FFF2-40B4-BE49-F238E27FC236}">
+                <a16:creationId xmlns:a16="http://schemas.microsoft.com/office/drawing/2014/main" id="{407B66A2-8C1B-E247-A7B4-8EF2D7159D9D}"/>
+              </a:ext>
+            </a:extLst>
+          </p:cNvPr>
+          <p:cNvPicPr>
+            <a:picLocks noChangeAspect="1"/>
+          </p:cNvPicPr>
+          <p:nvPr/>
+        </p:nvPicPr>
+        <p:blipFill>
+          <a:blip r:embed="rId4"/>
+          <a:stretch>
+            <a:fillRect/>
+          </a:stretch>
+        </p:blipFill>
+        <p:spPr>
+          <a:xfrm>
+            <a:off x="9237649" y="439043"/>
+            <a:ext cx="2457962" cy="1175920"/>
+          </a:xfrm>
+          <a:prstGeom prst="rect">
+            <a:avLst/>
+          </a:prstGeom>
+        </p:spPr>
+      </p:pic>
+      <p:sp>
+        <p:nvSpPr>
+          <p:cNvPr id="63" name="TextBox 62">
+            <a:extLst>
+              <a:ext uri="{FF2B5EF4-FFF2-40B4-BE49-F238E27FC236}">
+                <a16:creationId xmlns:a16="http://schemas.microsoft.com/office/drawing/2014/main" id="{02260272-07A4-4D44-8D98-0AD15888349E}"/>
+              </a:ext>
+            </a:extLst>
+          </p:cNvPr>
+          <p:cNvSpPr txBox="1"/>
+          <p:nvPr/>
+        </p:nvSpPr>
+        <p:spPr>
+          <a:xfrm>
+            <a:off x="838200" y="1690688"/>
+            <a:ext cx="5048949" cy="646331"/>
+          </a:xfrm>
+          <a:prstGeom prst="rect">
+            <a:avLst/>
+          </a:prstGeom>
+          <a:solidFill>
+            <a:schemeClr val="bg1"/>
+          </a:solidFill>
+        </p:spPr>
+        <p:txBody>
+          <a:bodyPr wrap="square" rtlCol="0">
+            <a:spAutoFit/>
+          </a:bodyPr>
+          <a:lstStyle/>
+          <a:p>
+            <a:r>
+              <a:rPr lang="en-PT" sz="3600" dirty="0">
+                <a:solidFill>
+                  <a:schemeClr val="bg1">
+                    <a:lumMod val="85000"/>
+                  </a:schemeClr>
+                </a:solidFill>
+                <a:latin typeface="Avenir Next LT Pro" panose="020B0504020202020204" pitchFamily="34" charset="77"/>
+              </a:rPr>
+              <a:t>Summary results</a:t>
+            </a:r>
+          </a:p>
+        </p:txBody>
+      </p:sp>
+      <p:sp>
+        <p:nvSpPr>
+          <p:cNvPr id="64" name="TextBox 63">
+            <a:extLst>
+              <a:ext uri="{FF2B5EF4-FFF2-40B4-BE49-F238E27FC236}">
+                <a16:creationId xmlns:a16="http://schemas.microsoft.com/office/drawing/2014/main" id="{FFB0DB10-EEEF-904A-844E-F783B2B65905}"/>
+              </a:ext>
+            </a:extLst>
+          </p:cNvPr>
+          <p:cNvSpPr txBox="1"/>
+          <p:nvPr/>
+        </p:nvSpPr>
+        <p:spPr>
+          <a:xfrm>
+            <a:off x="1614506" y="2671515"/>
+            <a:ext cx="8545285" cy="2862322"/>
+          </a:xfrm>
+          <a:prstGeom prst="rect">
+            <a:avLst/>
+          </a:prstGeom>
+          <a:solidFill>
+            <a:schemeClr val="bg1"/>
+          </a:solidFill>
+        </p:spPr>
+        <p:txBody>
+          <a:bodyPr wrap="square" rtlCol="0">
+            <a:spAutoFit/>
+          </a:bodyPr>
+          <a:lstStyle/>
+          <a:p>
+            <a:pPr marL="342900" indent="-342900">
+              <a:buFont typeface="Arial Unicode MS" panose="020B0604020202020204" pitchFamily="34" charset="-128"/>
+              <a:buChar char="∙"/>
+            </a:pPr>
+            <a:r>
+              <a:rPr lang="en-PT" sz="2000" dirty="0">
+                <a:latin typeface="Avenir Next LT Pro" panose="020B0504020202020204" pitchFamily="34" charset="77"/>
+              </a:rPr>
+              <a:t>Tailored SMC protocol for phylogenetic trees algorithms</a:t>
+            </a:r>
+          </a:p>
+          <a:p>
+            <a:pPr marL="342900" indent="-342900">
+              <a:buFont typeface="Arial Unicode MS" panose="020B0604020202020204" pitchFamily="34" charset="-128"/>
+              <a:buChar char="∙"/>
+            </a:pPr>
+            <a:endParaRPr lang="en-PT" sz="2000" dirty="0">
+              <a:latin typeface="Avenir Next LT Pro" panose="020B0504020202020204" pitchFamily="34" charset="77"/>
+            </a:endParaRPr>
+          </a:p>
+          <a:p>
+            <a:pPr marL="342900" indent="-342900">
+              <a:buFont typeface="Arial Unicode MS" panose="020B0604020202020204" pitchFamily="34" charset="-128"/>
+              <a:buChar char="∙"/>
+            </a:pPr>
+            <a:r>
+              <a:rPr lang="en-PT" sz="2000" dirty="0">
+                <a:latin typeface="Avenir Next LT Pro" panose="020B0504020202020204" pitchFamily="34" charset="77"/>
+              </a:rPr>
+              <a:t>Classical implementation</a:t>
+            </a:r>
+          </a:p>
+          <a:p>
+            <a:pPr marL="800100" lvl="1" indent="-342900">
+              <a:buFont typeface="Arial Unicode MS" panose="020B0604020202020204" pitchFamily="34" charset="-128"/>
+              <a:buChar char="∙"/>
+            </a:pPr>
+            <a:r>
+              <a:rPr lang="en-PT" sz="2000" dirty="0">
+                <a:latin typeface="Avenir Next LT Pro" panose="020B0504020202020204" pitchFamily="34" charset="77"/>
+              </a:rPr>
+              <a:t>CBMC-GC: circuit generation</a:t>
+            </a:r>
+          </a:p>
+          <a:p>
+            <a:pPr marL="800100" lvl="1" indent="-342900">
+              <a:buFont typeface="Arial Unicode MS" panose="020B0604020202020204" pitchFamily="34" charset="-128"/>
+              <a:buChar char="∙"/>
+            </a:pPr>
+            <a:r>
+              <a:rPr lang="en-PT" sz="2000" dirty="0">
+                <a:latin typeface="Avenir Next LT Pro" panose="020B0504020202020204" pitchFamily="34" charset="77"/>
+              </a:rPr>
+              <a:t>MPC-Benchmark: yao protocol based on Libscapi</a:t>
+            </a:r>
+          </a:p>
+          <a:p>
+            <a:pPr marL="800100" lvl="1" indent="-342900">
+              <a:buFont typeface="Arial Unicode MS" panose="020B0604020202020204" pitchFamily="34" charset="-128"/>
+              <a:buChar char="∙"/>
+            </a:pPr>
+            <a:endParaRPr lang="en-PT" sz="2000" dirty="0">
+              <a:latin typeface="Avenir Next LT Pro" panose="020B0504020202020204" pitchFamily="34" charset="77"/>
+            </a:endParaRPr>
+          </a:p>
+          <a:p>
+            <a:pPr marL="342900" indent="-342900">
+              <a:buFont typeface="Arial Unicode MS" panose="020B0604020202020204" pitchFamily="34" charset="-128"/>
+              <a:buChar char="∙"/>
+            </a:pPr>
+            <a:r>
+              <a:rPr lang="en-PT" sz="2000" dirty="0">
+                <a:latin typeface="Avenir Next LT Pro" panose="020B0504020202020204" pitchFamily="34" charset="77"/>
+              </a:rPr>
+              <a:t>Integrate BBCS based protocol into Libscapi</a:t>
+            </a:r>
+          </a:p>
+          <a:p>
+            <a:pPr marL="342900" indent="-342900">
+              <a:buFont typeface="Arial Unicode MS" panose="020B0604020202020204" pitchFamily="34" charset="-128"/>
+              <a:buChar char="∙"/>
+            </a:pPr>
+            <a:endParaRPr lang="en-PT" sz="2000" dirty="0">
+              <a:latin typeface="Avenir Next LT Pro" panose="020B0504020202020204" pitchFamily="34" charset="77"/>
+            </a:endParaRPr>
+          </a:p>
+          <a:p>
+            <a:pPr marL="342900" indent="-342900">
+              <a:buFont typeface="Arial Unicode MS" panose="020B0604020202020204" pitchFamily="34" charset="-128"/>
+              <a:buChar char="∙"/>
+            </a:pPr>
+            <a:r>
+              <a:rPr lang="en-PT" sz="2000" dirty="0">
+                <a:latin typeface="Avenir Next LT Pro" panose="020B0504020202020204" pitchFamily="34" charset="77"/>
+              </a:rPr>
+              <a:t>Benchmark classical and quantum approaches</a:t>
+            </a:r>
+          </a:p>
+        </p:txBody>
+      </p:sp>
     </p:spTree>
     <p:extLst>
       <p:ext uri="{BB962C8B-B14F-4D97-AF65-F5344CB8AC3E}">
-        <p14:creationId xmlns:p14="http://schemas.microsoft.com/office/powerpoint/2010/main" val="3589168199"/>
+        <p14:creationId xmlns:p14="http://schemas.microsoft.com/office/powerpoint/2010/main" val="3994335495"/>
+      </p:ext>
+    </p:extLst>
+  </p:cSld>
+  <p:clrMapOvr>
+    <a:masterClrMapping/>
+  </p:clrMapOvr>
+</p:sld>
+</file>
+
+<file path=ppt/slides/slide26.xml><?xml version="1.0" encoding="utf-8"?>
+<p:sld xmlns:a="http://schemas.openxmlformats.org/drawingml/2006/main" xmlns:r="http://schemas.openxmlformats.org/officeDocument/2006/relationships" xmlns:p="http://schemas.openxmlformats.org/presentationml/2006/main">
+  <p:cSld>
+    <p:spTree>
+      <p:nvGrpSpPr>
+        <p:cNvPr id="1" name=""/>
+        <p:cNvGrpSpPr/>
+        <p:nvPr/>
+      </p:nvGrpSpPr>
+      <p:grpSpPr>
+        <a:xfrm>
+          <a:off x="0" y="0"/>
+          <a:ext cx="0" cy="0"/>
+          <a:chOff x="0" y="0"/>
+          <a:chExt cx="0" cy="0"/>
+        </a:xfrm>
+      </p:grpSpPr>
+      <p:sp>
+        <p:nvSpPr>
+          <p:cNvPr id="2" name="Title 1">
+            <a:extLst>
+              <a:ext uri="{FF2B5EF4-FFF2-40B4-BE49-F238E27FC236}">
+                <a16:creationId xmlns:a16="http://schemas.microsoft.com/office/drawing/2014/main" id="{DB05AB58-1DC5-AB44-8CC9-9791D339E325}"/>
+              </a:ext>
+            </a:extLst>
+          </p:cNvPr>
+          <p:cNvSpPr>
+            <a:spLocks noGrp="1"/>
+          </p:cNvSpPr>
+          <p:nvPr>
+            <p:ph type="title"/>
+          </p:nvPr>
+        </p:nvSpPr>
+        <p:spPr>
+          <a:xfrm>
+            <a:off x="838200" y="365125"/>
+            <a:ext cx="10515600" cy="1325563"/>
+          </a:xfrm>
+        </p:spPr>
+        <p:txBody>
+          <a:bodyPr/>
+          <a:lstStyle/>
+          <a:p>
+            <a:r>
+              <a:rPr lang="en-PT" dirty="0">
+                <a:latin typeface="Avenir Next LT Pro" panose="020B0504020202020204" pitchFamily="34" charset="77"/>
+              </a:rPr>
+              <a:t>Private phylogenetic trees</a:t>
+            </a:r>
+          </a:p>
+        </p:txBody>
+      </p:sp>
+      <p:pic>
+        <p:nvPicPr>
+          <p:cNvPr id="59" name="Content Placeholder 5" descr="A blue sign with white letters&#10;&#10;Description automatically generated with low confidence">
+            <a:extLst>
+              <a:ext uri="{FF2B5EF4-FFF2-40B4-BE49-F238E27FC236}">
+                <a16:creationId xmlns:a16="http://schemas.microsoft.com/office/drawing/2014/main" id="{0DC49A94-533B-844C-BCEA-6CF84EE6AB4B}"/>
+              </a:ext>
+            </a:extLst>
+          </p:cNvPr>
+          <p:cNvPicPr>
+            <a:picLocks noChangeAspect="1"/>
+          </p:cNvPicPr>
+          <p:nvPr/>
+        </p:nvPicPr>
+        <p:blipFill>
+          <a:blip r:embed="rId3"/>
+          <a:stretch>
+            <a:fillRect/>
+          </a:stretch>
+        </p:blipFill>
+        <p:spPr>
+          <a:xfrm>
+            <a:off x="11353799" y="5946696"/>
+            <a:ext cx="582782" cy="707260"/>
+          </a:xfrm>
+          <a:prstGeom prst="rect">
+            <a:avLst/>
+          </a:prstGeom>
+        </p:spPr>
+      </p:pic>
+      <p:pic>
+        <p:nvPicPr>
+          <p:cNvPr id="62" name="Picture 61" descr="A picture containing diagram&#10;&#10;Description automatically generated">
+            <a:extLst>
+              <a:ext uri="{FF2B5EF4-FFF2-40B4-BE49-F238E27FC236}">
+                <a16:creationId xmlns:a16="http://schemas.microsoft.com/office/drawing/2014/main" id="{407B66A2-8C1B-E247-A7B4-8EF2D7159D9D}"/>
+              </a:ext>
+            </a:extLst>
+          </p:cNvPr>
+          <p:cNvPicPr>
+            <a:picLocks noChangeAspect="1"/>
+          </p:cNvPicPr>
+          <p:nvPr/>
+        </p:nvPicPr>
+        <p:blipFill>
+          <a:blip r:embed="rId4"/>
+          <a:stretch>
+            <a:fillRect/>
+          </a:stretch>
+        </p:blipFill>
+        <p:spPr>
+          <a:xfrm>
+            <a:off x="9237649" y="439043"/>
+            <a:ext cx="2457962" cy="1175920"/>
+          </a:xfrm>
+          <a:prstGeom prst="rect">
+            <a:avLst/>
+          </a:prstGeom>
+        </p:spPr>
+      </p:pic>
+      <p:sp>
+        <p:nvSpPr>
+          <p:cNvPr id="63" name="TextBox 62">
+            <a:extLst>
+              <a:ext uri="{FF2B5EF4-FFF2-40B4-BE49-F238E27FC236}">
+                <a16:creationId xmlns:a16="http://schemas.microsoft.com/office/drawing/2014/main" id="{02260272-07A4-4D44-8D98-0AD15888349E}"/>
+              </a:ext>
+            </a:extLst>
+          </p:cNvPr>
+          <p:cNvSpPr txBox="1"/>
+          <p:nvPr/>
+        </p:nvSpPr>
+        <p:spPr>
+          <a:xfrm>
+            <a:off x="838200" y="1690688"/>
+            <a:ext cx="5048949" cy="646331"/>
+          </a:xfrm>
+          <a:prstGeom prst="rect">
+            <a:avLst/>
+          </a:prstGeom>
+          <a:solidFill>
+            <a:schemeClr val="bg1"/>
+          </a:solidFill>
+        </p:spPr>
+        <p:txBody>
+          <a:bodyPr wrap="square" rtlCol="0">
+            <a:spAutoFit/>
+          </a:bodyPr>
+          <a:lstStyle/>
+          <a:p>
+            <a:r>
+              <a:rPr lang="en-PT" sz="3600" dirty="0">
+                <a:solidFill>
+                  <a:schemeClr val="bg1">
+                    <a:lumMod val="85000"/>
+                  </a:schemeClr>
+                </a:solidFill>
+                <a:latin typeface="Avenir Next LT Pro" panose="020B0504020202020204" pitchFamily="34" charset="77"/>
+              </a:rPr>
+              <a:t>Summary results</a:t>
+            </a:r>
+          </a:p>
+        </p:txBody>
+      </p:sp>
+      <p:sp>
+        <p:nvSpPr>
+          <p:cNvPr id="64" name="TextBox 63">
+            <a:extLst>
+              <a:ext uri="{FF2B5EF4-FFF2-40B4-BE49-F238E27FC236}">
+                <a16:creationId xmlns:a16="http://schemas.microsoft.com/office/drawing/2014/main" id="{FFB0DB10-EEEF-904A-844E-F783B2B65905}"/>
+              </a:ext>
+            </a:extLst>
+          </p:cNvPr>
+          <p:cNvSpPr txBox="1"/>
+          <p:nvPr/>
+        </p:nvSpPr>
+        <p:spPr>
+          <a:xfrm>
+            <a:off x="1614506" y="2671515"/>
+            <a:ext cx="8545285" cy="2862322"/>
+          </a:xfrm>
+          <a:prstGeom prst="rect">
+            <a:avLst/>
+          </a:prstGeom>
+          <a:solidFill>
+            <a:schemeClr val="bg1"/>
+          </a:solidFill>
+        </p:spPr>
+        <p:txBody>
+          <a:bodyPr wrap="square" rtlCol="0">
+            <a:spAutoFit/>
+          </a:bodyPr>
+          <a:lstStyle/>
+          <a:p>
+            <a:pPr marL="342900" indent="-342900">
+              <a:buFont typeface="Arial Unicode MS" panose="020B0604020202020204" pitchFamily="34" charset="-128"/>
+              <a:buChar char="∙"/>
+            </a:pPr>
+            <a:r>
+              <a:rPr lang="en-PT" sz="2000" dirty="0">
+                <a:latin typeface="Avenir Next LT Pro" panose="020B0504020202020204" pitchFamily="34" charset="77"/>
+              </a:rPr>
+              <a:t>Tailored SMC protocol for phylogenetic trees algorithms</a:t>
+            </a:r>
+          </a:p>
+          <a:p>
+            <a:pPr marL="342900" indent="-342900">
+              <a:buFont typeface="Arial Unicode MS" panose="020B0604020202020204" pitchFamily="34" charset="-128"/>
+              <a:buChar char="∙"/>
+            </a:pPr>
+            <a:endParaRPr lang="en-PT" sz="2000" dirty="0">
+              <a:latin typeface="Avenir Next LT Pro" panose="020B0504020202020204" pitchFamily="34" charset="77"/>
+            </a:endParaRPr>
+          </a:p>
+          <a:p>
+            <a:pPr marL="342900" indent="-342900">
+              <a:buFont typeface="Arial Unicode MS" panose="020B0604020202020204" pitchFamily="34" charset="-128"/>
+              <a:buChar char="∙"/>
+            </a:pPr>
+            <a:r>
+              <a:rPr lang="en-PT" sz="2000" dirty="0">
+                <a:latin typeface="Avenir Next LT Pro" panose="020B0504020202020204" pitchFamily="34" charset="77"/>
+              </a:rPr>
+              <a:t>Classical implementation</a:t>
+            </a:r>
+          </a:p>
+          <a:p>
+            <a:pPr marL="800100" lvl="1" indent="-342900">
+              <a:buFont typeface="Arial Unicode MS" panose="020B0604020202020204" pitchFamily="34" charset="-128"/>
+              <a:buChar char="∙"/>
+            </a:pPr>
+            <a:r>
+              <a:rPr lang="en-PT" sz="2000" dirty="0">
+                <a:latin typeface="Avenir Next LT Pro" panose="020B0504020202020204" pitchFamily="34" charset="77"/>
+              </a:rPr>
+              <a:t>CBMC-GC: circuit generation</a:t>
+            </a:r>
+          </a:p>
+          <a:p>
+            <a:pPr marL="800100" lvl="1" indent="-342900">
+              <a:buFont typeface="Arial Unicode MS" panose="020B0604020202020204" pitchFamily="34" charset="-128"/>
+              <a:buChar char="∙"/>
+            </a:pPr>
+            <a:r>
+              <a:rPr lang="en-PT" sz="2000" dirty="0">
+                <a:latin typeface="Avenir Next LT Pro" panose="020B0504020202020204" pitchFamily="34" charset="77"/>
+              </a:rPr>
+              <a:t>MPC-Benchmark: yao protocol based on Libscapi</a:t>
+            </a:r>
+          </a:p>
+          <a:p>
+            <a:pPr marL="800100" lvl="1" indent="-342900">
+              <a:buFont typeface="Arial Unicode MS" panose="020B0604020202020204" pitchFamily="34" charset="-128"/>
+              <a:buChar char="∙"/>
+            </a:pPr>
+            <a:endParaRPr lang="en-PT" sz="2000" dirty="0">
+              <a:latin typeface="Avenir Next LT Pro" panose="020B0504020202020204" pitchFamily="34" charset="77"/>
+            </a:endParaRPr>
+          </a:p>
+          <a:p>
+            <a:pPr marL="342900" indent="-342900">
+              <a:buFont typeface="Arial Unicode MS" panose="020B0604020202020204" pitchFamily="34" charset="-128"/>
+              <a:buChar char="∙"/>
+            </a:pPr>
+            <a:r>
+              <a:rPr lang="en-PT" sz="2000" dirty="0">
+                <a:latin typeface="Avenir Next LT Pro" panose="020B0504020202020204" pitchFamily="34" charset="77"/>
+              </a:rPr>
+              <a:t>Integrate BBCS based protocol into Libscapi</a:t>
+            </a:r>
+          </a:p>
+          <a:p>
+            <a:pPr marL="342900" indent="-342900">
+              <a:buFont typeface="Arial Unicode MS" panose="020B0604020202020204" pitchFamily="34" charset="-128"/>
+              <a:buChar char="∙"/>
+            </a:pPr>
+            <a:endParaRPr lang="en-PT" sz="2000" dirty="0">
+              <a:latin typeface="Avenir Next LT Pro" panose="020B0504020202020204" pitchFamily="34" charset="77"/>
+            </a:endParaRPr>
+          </a:p>
+          <a:p>
+            <a:pPr marL="342900" indent="-342900">
+              <a:buFont typeface="Arial Unicode MS" panose="020B0604020202020204" pitchFamily="34" charset="-128"/>
+              <a:buChar char="∙"/>
+            </a:pPr>
+            <a:r>
+              <a:rPr lang="en-PT" sz="2000" dirty="0">
+                <a:latin typeface="Avenir Next LT Pro" panose="020B0504020202020204" pitchFamily="34" charset="77"/>
+              </a:rPr>
+              <a:t>Benchmark classical and quantum approaches</a:t>
+            </a:r>
+          </a:p>
+        </p:txBody>
+      </p:sp>
+    </p:spTree>
+    <p:extLst>
+      <p:ext uri="{BB962C8B-B14F-4D97-AF65-F5344CB8AC3E}">
+        <p14:creationId xmlns:p14="http://schemas.microsoft.com/office/powerpoint/2010/main" val="162195840"/>
       </p:ext>
     </p:extLst>
   </p:cSld>
